--- a/data-center-2018-c07-08.pptx
+++ b/data-center-2018-c07-08.pptx
@@ -5,7 +5,7 @@
     <p:sldMasterId id="2147483660" r:id="rId1"/>
   </p:sldMasterIdLst>
   <p:notesMasterIdLst>
-    <p:notesMasterId r:id="rId20"/>
+    <p:notesMasterId r:id="rId22"/>
   </p:notesMasterIdLst>
   <p:sldIdLst>
     <p:sldId id="256" r:id="rId2"/>
@@ -16,16 +16,18 @@
     <p:sldId id="357" r:id="rId7"/>
     <p:sldId id="355" r:id="rId8"/>
     <p:sldId id="356" r:id="rId9"/>
-    <p:sldId id="343" r:id="rId10"/>
-    <p:sldId id="352" r:id="rId11"/>
-    <p:sldId id="353" r:id="rId12"/>
-    <p:sldId id="348" r:id="rId13"/>
-    <p:sldId id="350" r:id="rId14"/>
-    <p:sldId id="354" r:id="rId15"/>
-    <p:sldId id="349" r:id="rId16"/>
-    <p:sldId id="341" r:id="rId17"/>
-    <p:sldId id="342" r:id="rId18"/>
-    <p:sldId id="339" r:id="rId19"/>
+    <p:sldId id="358" r:id="rId10"/>
+    <p:sldId id="359" r:id="rId11"/>
+    <p:sldId id="343" r:id="rId12"/>
+    <p:sldId id="352" r:id="rId13"/>
+    <p:sldId id="353" r:id="rId14"/>
+    <p:sldId id="348" r:id="rId15"/>
+    <p:sldId id="350" r:id="rId16"/>
+    <p:sldId id="354" r:id="rId17"/>
+    <p:sldId id="349" r:id="rId18"/>
+    <p:sldId id="341" r:id="rId19"/>
+    <p:sldId id="342" r:id="rId20"/>
+    <p:sldId id="339" r:id="rId21"/>
   </p:sldIdLst>
   <p:sldSz cx="9144000" cy="6858000" type="screen4x3"/>
   <p:notesSz cx="6858000" cy="9144000"/>
@@ -218,7 +220,7 @@
           <a:p>
             <a:fld id="{1F43A38B-B670-42C4-AECA-F26E06CFF6E9}" type="datetimeFigureOut">
               <a:rPr lang="zh-CN" altLang="en-US" smtClean="0"/>
-              <a:t>2018/10/7</a:t>
+              <a:t>2018/10/9</a:t>
             </a:fld>
             <a:endParaRPr lang="zh-CN" altLang="en-US"/>
           </a:p>
@@ -618,7 +620,7 @@
           <a:p>
             <a:fld id="{59890BD5-1E1C-4C30-A502-83AE4551E3F9}" type="datetimeFigureOut">
               <a:rPr lang="zh-CN" altLang="en-US" smtClean="0"/>
-              <a:t>2018/10/7</a:t>
+              <a:t>2018/10/9</a:t>
             </a:fld>
             <a:endParaRPr lang="zh-CN" altLang="en-US"/>
           </a:p>
@@ -788,7 +790,7 @@
           <a:p>
             <a:fld id="{59890BD5-1E1C-4C30-A502-83AE4551E3F9}" type="datetimeFigureOut">
               <a:rPr lang="zh-CN" altLang="en-US" smtClean="0"/>
-              <a:t>2018/10/7</a:t>
+              <a:t>2018/10/9</a:t>
             </a:fld>
             <a:endParaRPr lang="zh-CN" altLang="en-US"/>
           </a:p>
@@ -968,7 +970,7 @@
           <a:p>
             <a:fld id="{59890BD5-1E1C-4C30-A502-83AE4551E3F9}" type="datetimeFigureOut">
               <a:rPr lang="zh-CN" altLang="en-US" smtClean="0"/>
-              <a:t>2018/10/7</a:t>
+              <a:t>2018/10/9</a:t>
             </a:fld>
             <a:endParaRPr lang="zh-CN" altLang="en-US"/>
           </a:p>
@@ -1138,7 +1140,7 @@
           <a:p>
             <a:fld id="{59890BD5-1E1C-4C30-A502-83AE4551E3F9}" type="datetimeFigureOut">
               <a:rPr lang="zh-CN" altLang="en-US" smtClean="0"/>
-              <a:t>2018/10/7</a:t>
+              <a:t>2018/10/9</a:t>
             </a:fld>
             <a:endParaRPr lang="zh-CN" altLang="en-US"/>
           </a:p>
@@ -1382,7 +1384,7 @@
           <a:p>
             <a:fld id="{59890BD5-1E1C-4C30-A502-83AE4551E3F9}" type="datetimeFigureOut">
               <a:rPr lang="zh-CN" altLang="en-US" smtClean="0"/>
-              <a:t>2018/10/7</a:t>
+              <a:t>2018/10/9</a:t>
             </a:fld>
             <a:endParaRPr lang="zh-CN" altLang="en-US"/>
           </a:p>
@@ -1614,7 +1616,7 @@
           <a:p>
             <a:fld id="{59890BD5-1E1C-4C30-A502-83AE4551E3F9}" type="datetimeFigureOut">
               <a:rPr lang="zh-CN" altLang="en-US" smtClean="0"/>
-              <a:t>2018/10/7</a:t>
+              <a:t>2018/10/9</a:t>
             </a:fld>
             <a:endParaRPr lang="zh-CN" altLang="en-US"/>
           </a:p>
@@ -1981,7 +1983,7 @@
           <a:p>
             <a:fld id="{59890BD5-1E1C-4C30-A502-83AE4551E3F9}" type="datetimeFigureOut">
               <a:rPr lang="zh-CN" altLang="en-US" smtClean="0"/>
-              <a:t>2018/10/7</a:t>
+              <a:t>2018/10/9</a:t>
             </a:fld>
             <a:endParaRPr lang="zh-CN" altLang="en-US"/>
           </a:p>
@@ -2099,7 +2101,7 @@
           <a:p>
             <a:fld id="{59890BD5-1E1C-4C30-A502-83AE4551E3F9}" type="datetimeFigureOut">
               <a:rPr lang="zh-CN" altLang="en-US" smtClean="0"/>
-              <a:t>2018/10/7</a:t>
+              <a:t>2018/10/9</a:t>
             </a:fld>
             <a:endParaRPr lang="zh-CN" altLang="en-US"/>
           </a:p>
@@ -2194,7 +2196,7 @@
           <a:p>
             <a:fld id="{59890BD5-1E1C-4C30-A502-83AE4551E3F9}" type="datetimeFigureOut">
               <a:rPr lang="zh-CN" altLang="en-US" smtClean="0"/>
-              <a:t>2018/10/7</a:t>
+              <a:t>2018/10/9</a:t>
             </a:fld>
             <a:endParaRPr lang="zh-CN" altLang="en-US"/>
           </a:p>
@@ -2471,7 +2473,7 @@
           <a:p>
             <a:fld id="{59890BD5-1E1C-4C30-A502-83AE4551E3F9}" type="datetimeFigureOut">
               <a:rPr lang="zh-CN" altLang="en-US" smtClean="0"/>
-              <a:t>2018/10/7</a:t>
+              <a:t>2018/10/9</a:t>
             </a:fld>
             <a:endParaRPr lang="zh-CN" altLang="en-US"/>
           </a:p>
@@ -2728,7 +2730,7 @@
           <a:p>
             <a:fld id="{59890BD5-1E1C-4C30-A502-83AE4551E3F9}" type="datetimeFigureOut">
               <a:rPr lang="zh-CN" altLang="en-US" smtClean="0"/>
-              <a:t>2018/10/7</a:t>
+              <a:t>2018/10/9</a:t>
             </a:fld>
             <a:endParaRPr lang="zh-CN" altLang="en-US"/>
           </a:p>
@@ -2941,7 +2943,7 @@
           <a:p>
             <a:fld id="{59890BD5-1E1C-4C30-A502-83AE4551E3F9}" type="datetimeFigureOut">
               <a:rPr lang="zh-CN" altLang="en-US" smtClean="0"/>
-              <a:t>2018/10/7</a:t>
+              <a:t>2018/10/9</a:t>
             </a:fld>
             <a:endParaRPr lang="zh-CN" altLang="en-US"/>
           </a:p>
@@ -3474,6 +3476,923 @@
 </file>
 
 <file path=ppt/slides/slide10.xml><?xml version="1.0" encoding="utf-8"?>
+<p:sld xmlns:a="http://schemas.openxmlformats.org/drawingml/2006/main" xmlns:r="http://schemas.openxmlformats.org/officeDocument/2006/relationships" xmlns:p="http://schemas.openxmlformats.org/presentationml/2006/main">
+  <p:cSld>
+    <p:spTree>
+      <p:nvGrpSpPr>
+        <p:cNvPr id="1" name=""/>
+        <p:cNvGrpSpPr/>
+        <p:nvPr/>
+      </p:nvGrpSpPr>
+      <p:grpSpPr>
+        <a:xfrm>
+          <a:off x="0" y="0"/>
+          <a:ext cx="0" cy="0"/>
+          <a:chOff x="0" y="0"/>
+          <a:chExt cx="0" cy="0"/>
+        </a:xfrm>
+      </p:grpSpPr>
+      <p:sp>
+        <p:nvSpPr>
+          <p:cNvPr id="2" name="标题 1"/>
+          <p:cNvSpPr>
+            <a:spLocks noGrp="1"/>
+          </p:cNvSpPr>
+          <p:nvPr>
+            <p:ph type="title"/>
+          </p:nvPr>
+        </p:nvSpPr>
+        <p:spPr/>
+        <p:txBody>
+          <a:bodyPr/>
+          <a:lstStyle/>
+          <a:p>
+            <a:r>
+              <a:rPr lang="zh-CN" altLang="en-US" dirty="0" smtClean="0"/>
+              <a:t>标准化</a:t>
+            </a:r>
+            <a:endParaRPr lang="zh-CN" altLang="en-US" dirty="0"/>
+          </a:p>
+        </p:txBody>
+      </p:sp>
+      <p:sp>
+        <p:nvSpPr>
+          <p:cNvPr id="5" name="内容占位符 4"/>
+          <p:cNvSpPr>
+            <a:spLocks noGrp="1"/>
+          </p:cNvSpPr>
+          <p:nvPr>
+            <p:ph idx="1"/>
+          </p:nvPr>
+        </p:nvSpPr>
+        <p:spPr/>
+        <p:txBody>
+          <a:bodyPr/>
+          <a:lstStyle/>
+          <a:p>
+            <a:endParaRPr lang="zh-CN" altLang="en-US"/>
+          </a:p>
+        </p:txBody>
+      </p:sp>
+      <p:pic>
+        <p:nvPicPr>
+          <p:cNvPr id="7" name="图片 6"/>
+          <p:cNvPicPr>
+            <a:picLocks noChangeAspect="1"/>
+          </p:cNvPicPr>
+          <p:nvPr/>
+        </p:nvPicPr>
+        <p:blipFill>
+          <a:blip r:embed="rId2"/>
+          <a:stretch>
+            <a:fillRect/>
+          </a:stretch>
+        </p:blipFill>
+        <p:spPr>
+          <a:xfrm>
+            <a:off x="0" y="0"/>
+            <a:ext cx="9144000" cy="6859432"/>
+          </a:xfrm>
+          <a:prstGeom prst="rect">
+            <a:avLst/>
+          </a:prstGeom>
+          <a:solidFill>
+            <a:srgbClr val="FFFFFF">
+              <a:shade val="85000"/>
+            </a:srgbClr>
+          </a:solidFill>
+          <a:ln w="3175" cap="sq">
+            <a:solidFill>
+              <a:srgbClr val="FFFFFF"/>
+            </a:solidFill>
+            <a:miter lim="800000"/>
+          </a:ln>
+          <a:effectLst>
+            <a:outerShdw blurRad="55000" dist="18000" dir="5400000" algn="tl" rotWithShape="0">
+              <a:srgbClr val="000000">
+                <a:alpha val="40000"/>
+              </a:srgbClr>
+            </a:outerShdw>
+          </a:effectLst>
+          <a:scene3d>
+            <a:camera prst="orthographicFront"/>
+            <a:lightRig rig="twoPt" dir="t">
+              <a:rot lat="0" lon="0" rev="7200000"/>
+            </a:lightRig>
+          </a:scene3d>
+          <a:sp3d>
+            <a:bevelT w="25400" h="19050"/>
+            <a:contourClr>
+              <a:srgbClr val="FFFFFF"/>
+            </a:contourClr>
+          </a:sp3d>
+        </p:spPr>
+      </p:pic>
+      <p:sp>
+        <p:nvSpPr>
+          <p:cNvPr id="4" name="文本框 3"/>
+          <p:cNvSpPr txBox="1"/>
+          <p:nvPr/>
+        </p:nvSpPr>
+        <p:spPr>
+          <a:xfrm>
+            <a:off x="5723792" y="5498533"/>
+            <a:ext cx="3288323" cy="523220"/>
+          </a:xfrm>
+          <a:prstGeom prst="rect">
+            <a:avLst/>
+          </a:prstGeom>
+          <a:noFill/>
+        </p:spPr>
+        <p:txBody>
+          <a:bodyPr wrap="square" rtlCol="0">
+            <a:spAutoFit/>
+          </a:bodyPr>
+          <a:lstStyle/>
+          <a:p>
+            <a:r>
+              <a:rPr lang="en-US" altLang="zh-CN" sz="2800" dirty="0" smtClean="0">
+                <a:solidFill>
+                  <a:srgbClr val="FF0000"/>
+                </a:solidFill>
+                <a:latin typeface="Times New Roman" panose="02020603050405020304" pitchFamily="18" charset="0"/>
+                <a:ea typeface="黑体" panose="02010609060101010101" pitchFamily="49" charset="-122"/>
+                <a:cs typeface="Times New Roman" panose="02020603050405020304" pitchFamily="18" charset="0"/>
+              </a:rPr>
+              <a:t>Ver2.51: 1896</a:t>
+            </a:r>
+            <a:r>
+              <a:rPr lang="zh-CN" altLang="en-US" sz="2800" dirty="0" smtClean="0">
+                <a:solidFill>
+                  <a:srgbClr val="FF0000"/>
+                </a:solidFill>
+                <a:latin typeface="Times New Roman" panose="02020603050405020304" pitchFamily="18" charset="0"/>
+                <a:ea typeface="黑体" panose="02010609060101010101" pitchFamily="49" charset="-122"/>
+                <a:cs typeface="Times New Roman" panose="02020603050405020304" pitchFamily="18" charset="0"/>
+              </a:rPr>
+              <a:t>个模型</a:t>
+            </a:r>
+            <a:endParaRPr lang="zh-CN" altLang="en-US" sz="2800" dirty="0">
+              <a:solidFill>
+                <a:srgbClr val="FF0000"/>
+              </a:solidFill>
+              <a:latin typeface="Times New Roman" panose="02020603050405020304" pitchFamily="18" charset="0"/>
+              <a:ea typeface="黑体" panose="02010609060101010101" pitchFamily="49" charset="-122"/>
+              <a:cs typeface="Times New Roman" panose="02020603050405020304" pitchFamily="18" charset="0"/>
+            </a:endParaRPr>
+          </a:p>
+        </p:txBody>
+      </p:sp>
+    </p:spTree>
+    <p:extLst>
+      <p:ext uri="{BB962C8B-B14F-4D97-AF65-F5344CB8AC3E}">
+        <p14:creationId xmlns:p14="http://schemas.microsoft.com/office/powerpoint/2010/main" val="755225283"/>
+      </p:ext>
+    </p:extLst>
+  </p:cSld>
+  <p:clrMapOvr>
+    <a:masterClrMapping/>
+  </p:clrMapOvr>
+  <p:timing>
+    <p:tnLst>
+      <p:par>
+        <p:cTn id="1" dur="indefinite" restart="never" nodeType="tmRoot"/>
+      </p:par>
+    </p:tnLst>
+  </p:timing>
+</p:sld>
+</file>
+
+<file path=ppt/slides/slide11.xml><?xml version="1.0" encoding="utf-8"?>
+<p:sld xmlns:a="http://schemas.openxmlformats.org/drawingml/2006/main" xmlns:r="http://schemas.openxmlformats.org/officeDocument/2006/relationships" xmlns:p="http://schemas.openxmlformats.org/presentationml/2006/main">
+  <p:cSld>
+    <p:spTree>
+      <p:nvGrpSpPr>
+        <p:cNvPr id="1" name=""/>
+        <p:cNvGrpSpPr/>
+        <p:nvPr/>
+      </p:nvGrpSpPr>
+      <p:grpSpPr>
+        <a:xfrm>
+          <a:off x="0" y="0"/>
+          <a:ext cx="0" cy="0"/>
+          <a:chOff x="0" y="0"/>
+          <a:chExt cx="0" cy="0"/>
+        </a:xfrm>
+      </p:grpSpPr>
+      <p:sp>
+        <p:nvSpPr>
+          <p:cNvPr id="2" name="标题 1"/>
+          <p:cNvSpPr>
+            <a:spLocks noGrp="1"/>
+          </p:cNvSpPr>
+          <p:nvPr>
+            <p:ph type="title"/>
+          </p:nvPr>
+        </p:nvSpPr>
+        <p:spPr/>
+        <p:txBody>
+          <a:bodyPr/>
+          <a:lstStyle/>
+          <a:p>
+            <a:r>
+              <a:rPr lang="zh-CN" altLang="en-US" dirty="0" smtClean="0"/>
+              <a:t>数据中心管理</a:t>
+            </a:r>
+            <a:endParaRPr lang="zh-CN" altLang="en-US" dirty="0"/>
+          </a:p>
+        </p:txBody>
+      </p:sp>
+      <p:sp>
+        <p:nvSpPr>
+          <p:cNvPr id="26" name="文本框 25"/>
+          <p:cNvSpPr txBox="1"/>
+          <p:nvPr/>
+        </p:nvSpPr>
+        <p:spPr>
+          <a:xfrm>
+            <a:off x="4783015" y="6265082"/>
+            <a:ext cx="4018085" cy="523220"/>
+          </a:xfrm>
+          <a:prstGeom prst="rect">
+            <a:avLst/>
+          </a:prstGeom>
+          <a:noFill/>
+        </p:spPr>
+        <p:txBody>
+          <a:bodyPr wrap="square" rtlCol="0">
+            <a:spAutoFit/>
+          </a:bodyPr>
+          <a:lstStyle/>
+          <a:p>
+            <a:r>
+              <a:rPr lang="zh-CN" altLang="en-US" sz="1600" dirty="0" smtClean="0">
+                <a:latin typeface="Times New Roman" panose="02020603050405020304" pitchFamily="18" charset="0"/>
+                <a:ea typeface="黑体" panose="02010609060101010101" pitchFamily="49" charset="-122"/>
+                <a:cs typeface="Times New Roman" panose="02020603050405020304" pitchFamily="18" charset="0"/>
+              </a:rPr>
+              <a:t>来源：</a:t>
+            </a:r>
+            <a:r>
+              <a:rPr lang="en-US" altLang="zh-CN" sz="1600" dirty="0" smtClean="0">
+                <a:latin typeface="Times New Roman" panose="02020603050405020304" pitchFamily="18" charset="0"/>
+                <a:ea typeface="黑体" panose="02010609060101010101" pitchFamily="49" charset="-122"/>
+                <a:cs typeface="Times New Roman" panose="02020603050405020304" pitchFamily="18" charset="0"/>
+              </a:rPr>
+              <a:t>VMware</a:t>
+            </a:r>
+          </a:p>
+          <a:p>
+            <a:r>
+              <a:rPr lang="en-US" altLang="zh-CN" sz="1200" dirty="0">
+                <a:latin typeface="Times New Roman" panose="02020603050405020304" pitchFamily="18" charset="0"/>
+                <a:ea typeface="黑体" panose="02010609060101010101" pitchFamily="49" charset="-122"/>
+                <a:cs typeface="Times New Roman" panose="02020603050405020304" pitchFamily="18" charset="0"/>
+              </a:rPr>
+              <a:t>Cloud Infrastructure and Management 2013 Launch Overview</a:t>
+            </a:r>
+            <a:endParaRPr lang="zh-CN" altLang="en-US" sz="1200" dirty="0">
+              <a:latin typeface="Times New Roman" panose="02020603050405020304" pitchFamily="18" charset="0"/>
+              <a:ea typeface="黑体" panose="02010609060101010101" pitchFamily="49" charset="-122"/>
+              <a:cs typeface="Times New Roman" panose="02020603050405020304" pitchFamily="18" charset="0"/>
+            </a:endParaRPr>
+          </a:p>
+        </p:txBody>
+      </p:sp>
+      <p:grpSp>
+        <p:nvGrpSpPr>
+          <p:cNvPr id="27" name="Group 20"/>
+          <p:cNvGrpSpPr/>
+          <p:nvPr/>
+        </p:nvGrpSpPr>
+        <p:grpSpPr>
+          <a:xfrm>
+            <a:off x="2400647" y="1356060"/>
+            <a:ext cx="4342705" cy="3748313"/>
+            <a:chOff x="2334221" y="1356060"/>
+            <a:chExt cx="4342705" cy="3748313"/>
+          </a:xfrm>
+        </p:grpSpPr>
+        <p:pic>
+          <p:nvPicPr>
+            <p:cNvPr id="28" name="Picture 21"/>
+            <p:cNvPicPr>
+              <a:picLocks noChangeAspect="1"/>
+            </p:cNvPicPr>
+            <p:nvPr/>
+          </p:nvPicPr>
+          <p:blipFill>
+            <a:blip r:embed="rId2" cstate="print">
+              <a:extLst>
+                <a:ext uri="{28A0092B-C50C-407E-A947-70E740481C1C}">
+                  <a14:useLocalDpi xmlns:a14="http://schemas.microsoft.com/office/drawing/2010/main" val="0"/>
+                </a:ext>
+              </a:extLst>
+            </a:blip>
+            <a:stretch>
+              <a:fillRect/>
+            </a:stretch>
+          </p:blipFill>
+          <p:spPr>
+            <a:xfrm>
+              <a:off x="2342617" y="1765300"/>
+              <a:ext cx="2105025" cy="1371600"/>
+            </a:xfrm>
+            <a:prstGeom prst="rect">
+              <a:avLst/>
+            </a:prstGeom>
+          </p:spPr>
+        </p:pic>
+        <p:pic>
+          <p:nvPicPr>
+            <p:cNvPr id="29" name="Picture 22"/>
+            <p:cNvPicPr>
+              <a:picLocks noChangeAspect="1"/>
+            </p:cNvPicPr>
+            <p:nvPr/>
+          </p:nvPicPr>
+          <p:blipFill>
+            <a:blip r:embed="rId3" cstate="print">
+              <a:extLst>
+                <a:ext uri="{28A0092B-C50C-407E-A947-70E740481C1C}">
+                  <a14:useLocalDpi xmlns:a14="http://schemas.microsoft.com/office/drawing/2010/main" val="0"/>
+                </a:ext>
+              </a:extLst>
+            </a:blip>
+            <a:stretch>
+              <a:fillRect/>
+            </a:stretch>
+          </p:blipFill>
+          <p:spPr>
+            <a:xfrm>
+              <a:off x="4571901" y="1765300"/>
+              <a:ext cx="2105025" cy="1371600"/>
+            </a:xfrm>
+            <a:prstGeom prst="rect">
+              <a:avLst/>
+            </a:prstGeom>
+          </p:spPr>
+        </p:pic>
+        <p:sp>
+          <p:nvSpPr>
+            <p:cNvPr id="30" name="Round Same Side Corner Rectangle 23"/>
+            <p:cNvSpPr/>
+            <p:nvPr/>
+          </p:nvSpPr>
+          <p:spPr>
+            <a:xfrm>
+              <a:off x="2334221" y="1356060"/>
+              <a:ext cx="2115406" cy="457200"/>
+            </a:xfrm>
+            <a:prstGeom prst="round2SameRect">
+              <a:avLst/>
+            </a:prstGeom>
+            <a:gradFill flip="none" rotWithShape="1">
+              <a:gsLst>
+                <a:gs pos="0">
+                  <a:schemeClr val="accent6">
+                    <a:shade val="30000"/>
+                    <a:satMod val="115000"/>
+                  </a:schemeClr>
+                </a:gs>
+                <a:gs pos="50000">
+                  <a:schemeClr val="accent6">
+                    <a:shade val="67500"/>
+                    <a:satMod val="115000"/>
+                  </a:schemeClr>
+                </a:gs>
+                <a:gs pos="100000">
+                  <a:schemeClr val="accent6">
+                    <a:shade val="100000"/>
+                    <a:satMod val="115000"/>
+                  </a:schemeClr>
+                </a:gs>
+              </a:gsLst>
+              <a:lin ang="16200000" scaled="1"/>
+              <a:tileRect/>
+            </a:gradFill>
+            <a:ln>
+              <a:noFill/>
+              <a:headEnd type="none" w="med" len="med"/>
+              <a:tailEnd type="none" w="med" len="med"/>
+            </a:ln>
+            <a:effectLst>
+              <a:outerShdw blurRad="44450" dist="27940" dir="5400000" algn="ctr">
+                <a:srgbClr val="000000">
+                  <a:alpha val="32000"/>
+                </a:srgbClr>
+              </a:outerShdw>
+            </a:effectLst>
+            <a:scene3d>
+              <a:camera prst="orthographicFront">
+                <a:rot lat="0" lon="0" rev="0"/>
+              </a:camera>
+              <a:lightRig rig="balanced" dir="t">
+                <a:rot lat="0" lon="0" rev="8700000"/>
+              </a:lightRig>
+            </a:scene3d>
+            <a:sp3d>
+              <a:bevelT w="38100" h="38100"/>
+            </a:sp3d>
+          </p:spPr>
+          <p:style>
+            <a:lnRef idx="1">
+              <a:schemeClr val="accent5"/>
+            </a:lnRef>
+            <a:fillRef idx="3">
+              <a:schemeClr val="accent5"/>
+            </a:fillRef>
+            <a:effectRef idx="2">
+              <a:schemeClr val="accent5"/>
+            </a:effectRef>
+            <a:fontRef idx="minor">
+              <a:schemeClr val="lt1"/>
+            </a:fontRef>
+          </p:style>
+          <p:txBody>
+            <a:bodyPr vert="horz" wrap="square" lIns="0" tIns="0" rIns="0" bIns="0" numCol="1" rtlCol="0" anchor="ctr" anchorCtr="0" compatLnSpc="1">
+              <a:prstTxWarp prst="textNoShape">
+                <a:avLst/>
+              </a:prstTxWarp>
+              <a:noAutofit/>
+            </a:bodyPr>
+            <a:lstStyle/>
+            <a:p>
+              <a:pPr algn="ctr" defTabSz="914363">
+                <a:lnSpc>
+                  <a:spcPct val="90000"/>
+                </a:lnSpc>
+              </a:pPr>
+              <a:r>
+                <a:rPr lang="en-US" sz="1800" b="1" dirty="0">
+                  <a:solidFill>
+                    <a:srgbClr val="FFFFFF"/>
+                  </a:solidFill>
+                </a:rPr>
+                <a:t>Inefficiency</a:t>
+              </a:r>
+            </a:p>
+          </p:txBody>
+        </p:sp>
+        <p:sp>
+          <p:nvSpPr>
+            <p:cNvPr id="31" name="Round Same Side Corner Rectangle 24"/>
+            <p:cNvSpPr/>
+            <p:nvPr/>
+          </p:nvSpPr>
+          <p:spPr>
+            <a:xfrm>
+              <a:off x="4573806" y="1356060"/>
+              <a:ext cx="2103120" cy="457200"/>
+            </a:xfrm>
+            <a:prstGeom prst="round2SameRect">
+              <a:avLst/>
+            </a:prstGeom>
+            <a:gradFill flip="none" rotWithShape="1">
+              <a:gsLst>
+                <a:gs pos="0">
+                  <a:schemeClr val="accent6">
+                    <a:shade val="30000"/>
+                    <a:satMod val="115000"/>
+                  </a:schemeClr>
+                </a:gs>
+                <a:gs pos="50000">
+                  <a:schemeClr val="accent6">
+                    <a:shade val="67500"/>
+                    <a:satMod val="115000"/>
+                  </a:schemeClr>
+                </a:gs>
+                <a:gs pos="100000">
+                  <a:schemeClr val="accent6">
+                    <a:shade val="100000"/>
+                    <a:satMod val="115000"/>
+                  </a:schemeClr>
+                </a:gs>
+              </a:gsLst>
+              <a:lin ang="16200000" scaled="1"/>
+              <a:tileRect/>
+            </a:gradFill>
+            <a:ln>
+              <a:noFill/>
+              <a:headEnd type="none" w="med" len="med"/>
+              <a:tailEnd type="none" w="med" len="med"/>
+            </a:ln>
+            <a:effectLst>
+              <a:outerShdw blurRad="44450" dist="27940" dir="5400000" algn="ctr">
+                <a:srgbClr val="000000">
+                  <a:alpha val="32000"/>
+                </a:srgbClr>
+              </a:outerShdw>
+            </a:effectLst>
+            <a:scene3d>
+              <a:camera prst="orthographicFront">
+                <a:rot lat="0" lon="0" rev="0"/>
+              </a:camera>
+              <a:lightRig rig="balanced" dir="t">
+                <a:rot lat="0" lon="0" rev="8700000"/>
+              </a:lightRig>
+            </a:scene3d>
+            <a:sp3d>
+              <a:bevelT w="38100" h="38100"/>
+            </a:sp3d>
+          </p:spPr>
+          <p:style>
+            <a:lnRef idx="1">
+              <a:schemeClr val="accent5"/>
+            </a:lnRef>
+            <a:fillRef idx="3">
+              <a:schemeClr val="accent5"/>
+            </a:fillRef>
+            <a:effectRef idx="2">
+              <a:schemeClr val="accent5"/>
+            </a:effectRef>
+            <a:fontRef idx="minor">
+              <a:schemeClr val="lt1"/>
+            </a:fontRef>
+          </p:style>
+          <p:txBody>
+            <a:bodyPr vert="horz" wrap="square" lIns="0" tIns="0" rIns="0" bIns="0" numCol="1" rtlCol="0" anchor="ctr" anchorCtr="0" compatLnSpc="1">
+              <a:prstTxWarp prst="textNoShape">
+                <a:avLst/>
+              </a:prstTxWarp>
+              <a:noAutofit/>
+            </a:bodyPr>
+            <a:lstStyle/>
+            <a:p>
+              <a:pPr algn="ctr" defTabSz="914363">
+                <a:lnSpc>
+                  <a:spcPct val="90000"/>
+                </a:lnSpc>
+              </a:pPr>
+              <a:r>
+                <a:rPr lang="en-US" sz="1800" b="1" dirty="0" smtClean="0">
+                  <a:solidFill>
+                    <a:srgbClr val="FFFFFF"/>
+                  </a:solidFill>
+                </a:rPr>
+                <a:t>Downtime</a:t>
+              </a:r>
+              <a:endParaRPr lang="en-US" sz="1800" b="1" dirty="0">
+                <a:solidFill>
+                  <a:srgbClr val="FFFFFF"/>
+                </a:solidFill>
+              </a:endParaRPr>
+            </a:p>
+          </p:txBody>
+        </p:sp>
+        <p:sp>
+          <p:nvSpPr>
+            <p:cNvPr id="32" name="TextBox 25"/>
+            <p:cNvSpPr txBox="1"/>
+            <p:nvPr/>
+          </p:nvSpPr>
+          <p:spPr>
+            <a:xfrm>
+              <a:off x="4572000" y="3127169"/>
+              <a:ext cx="2099462" cy="1977204"/>
+            </a:xfrm>
+            <a:prstGeom prst="rect">
+              <a:avLst/>
+            </a:prstGeom>
+            <a:gradFill flip="none" rotWithShape="1">
+              <a:gsLst>
+                <a:gs pos="0">
+                  <a:schemeClr val="bg2">
+                    <a:lumMod val="40000"/>
+                    <a:lumOff val="60000"/>
+                  </a:schemeClr>
+                </a:gs>
+                <a:gs pos="43000">
+                  <a:schemeClr val="bg1"/>
+                </a:gs>
+                <a:gs pos="100000">
+                  <a:srgbClr val="FFFFFF">
+                    <a:shade val="100000"/>
+                    <a:satMod val="115000"/>
+                  </a:srgbClr>
+                </a:gs>
+              </a:gsLst>
+              <a:lin ang="16200000" scaled="1"/>
+              <a:tileRect/>
+            </a:gradFill>
+            <a:ln w="3175" cap="flat" cmpd="sng" algn="ctr">
+              <a:noFill/>
+              <a:prstDash val="solid"/>
+              <a:round/>
+              <a:headEnd type="none" w="med" len="med"/>
+              <a:tailEnd type="none" w="med" len="med"/>
+            </a:ln>
+            <a:effectLst>
+              <a:outerShdw blurRad="50800" dist="38100" dir="5400000" algn="t" rotWithShape="0">
+                <a:prstClr val="black">
+                  <a:alpha val="40000"/>
+                </a:prstClr>
+              </a:outerShdw>
+            </a:effectLst>
+          </p:spPr>
+          <p:txBody>
+            <a:bodyPr vert="horz" wrap="square" lIns="91440" tIns="91440" rIns="91440" bIns="45720" numCol="1" rtlCol="0" anchor="t" anchorCtr="0" compatLnSpc="1">
+              <a:prstTxWarp prst="textNoShape">
+                <a:avLst/>
+              </a:prstTxWarp>
+              <a:noAutofit/>
+            </a:bodyPr>
+            <a:lstStyle>
+              <a:defPPr>
+                <a:defRPr lang="en-US"/>
+              </a:defPPr>
+              <a:lvl3pPr marL="169863" lvl="2" indent="-169863">
+                <a:spcAft>
+                  <a:spcPts val="600"/>
+                </a:spcAft>
+                <a:buClr>
+                  <a:srgbClr val="FFFFFF"/>
+                </a:buClr>
+                <a:buSzPct val="100000"/>
+                <a:buFont typeface="Arial" pitchFamily="34" charset="0"/>
+                <a:buChar char="•"/>
+                <a:defRPr sz="1400" b="1">
+                  <a:ln>
+                    <a:solidFill>
+                      <a:srgbClr val="FFFFFF">
+                        <a:alpha val="0"/>
+                      </a:srgbClr>
+                    </a:solidFill>
+                  </a:ln>
+                  <a:solidFill>
+                    <a:srgbClr val="FFFFFF"/>
+                  </a:solidFill>
+                  <a:ea typeface="Verdana" pitchFamily="34" charset="0"/>
+                  <a:cs typeface="Verdana" pitchFamily="34" charset="0"/>
+                </a:defRPr>
+              </a:lvl3pPr>
+            </a:lstStyle>
+            <a:p>
+              <a:pPr marL="174625" indent="-174625" algn="l" defTabSz="914363">
+                <a:buClr>
+                  <a:schemeClr val="accent1">
+                    <a:lumMod val="75000"/>
+                  </a:schemeClr>
+                </a:buClr>
+                <a:buFont typeface="Wingdings" pitchFamily="2" charset="2"/>
+                <a:buChar char="§"/>
+                <a:defRPr/>
+              </a:pPr>
+              <a:r>
+                <a:rPr lang="en-US" sz="1400" b="1" dirty="0">
+                  <a:solidFill>
+                    <a:schemeClr val="tx1"/>
+                  </a:solidFill>
+                </a:rPr>
+                <a:t>Challenging to </a:t>
+              </a:r>
+              <a:r>
+                <a:rPr lang="en-US" sz="1400" b="1" dirty="0" smtClean="0">
+                  <a:solidFill>
+                    <a:schemeClr val="tx1"/>
+                  </a:solidFill>
+                </a:rPr>
+                <a:t/>
+              </a:r>
+              <a:br>
+                <a:rPr lang="en-US" sz="1400" b="1" dirty="0" smtClean="0">
+                  <a:solidFill>
+                    <a:schemeClr val="tx1"/>
+                  </a:solidFill>
+                </a:rPr>
+              </a:br>
+              <a:r>
+                <a:rPr lang="en-US" sz="1400" b="1" dirty="0" smtClean="0">
+                  <a:solidFill>
+                    <a:schemeClr val="tx1"/>
+                  </a:solidFill>
+                </a:rPr>
+                <a:t>meet </a:t>
+              </a:r>
+              <a:r>
+                <a:rPr lang="en-US" sz="1400" b="1" dirty="0">
+                  <a:solidFill>
+                    <a:schemeClr val="tx1"/>
+                  </a:solidFill>
+                </a:rPr>
+                <a:t>SLAs</a:t>
+              </a:r>
+            </a:p>
+            <a:p>
+              <a:pPr marL="174625" indent="-174625" algn="l" defTabSz="914363">
+                <a:buClr>
+                  <a:schemeClr val="accent1">
+                    <a:lumMod val="75000"/>
+                  </a:schemeClr>
+                </a:buClr>
+                <a:buFont typeface="Wingdings" pitchFamily="2" charset="2"/>
+                <a:buChar char="§"/>
+                <a:defRPr/>
+              </a:pPr>
+              <a:r>
+                <a:rPr lang="en-US" sz="1400" b="1" dirty="0">
+                  <a:solidFill>
+                    <a:schemeClr val="tx1"/>
+                  </a:solidFill>
+                </a:rPr>
+                <a:t>Long issue identification / resolution times</a:t>
+              </a:r>
+            </a:p>
+            <a:p>
+              <a:pPr marL="174625" indent="-174625" algn="l" defTabSz="914363">
+                <a:buClr>
+                  <a:schemeClr val="accent1">
+                    <a:lumMod val="75000"/>
+                  </a:schemeClr>
+                </a:buClr>
+                <a:buFont typeface="Wingdings" pitchFamily="2" charset="2"/>
+                <a:buChar char="§"/>
+                <a:defRPr/>
+              </a:pPr>
+              <a:r>
+                <a:rPr lang="en-US" sz="1400" b="1" dirty="0">
+                  <a:solidFill>
+                    <a:schemeClr val="tx1"/>
+                  </a:solidFill>
+                </a:rPr>
+                <a:t>Security and compliance issues</a:t>
+              </a:r>
+            </a:p>
+          </p:txBody>
+        </p:sp>
+        <p:sp>
+          <p:nvSpPr>
+            <p:cNvPr id="33" name="TextBox 26"/>
+            <p:cNvSpPr txBox="1"/>
+            <p:nvPr/>
+          </p:nvSpPr>
+          <p:spPr>
+            <a:xfrm>
+              <a:off x="2344303" y="3127169"/>
+              <a:ext cx="2099462" cy="1977204"/>
+            </a:xfrm>
+            <a:prstGeom prst="rect">
+              <a:avLst/>
+            </a:prstGeom>
+            <a:gradFill flip="none" rotWithShape="1">
+              <a:gsLst>
+                <a:gs pos="0">
+                  <a:schemeClr val="bg2">
+                    <a:lumMod val="40000"/>
+                    <a:lumOff val="60000"/>
+                  </a:schemeClr>
+                </a:gs>
+                <a:gs pos="43000">
+                  <a:schemeClr val="bg1"/>
+                </a:gs>
+                <a:gs pos="100000">
+                  <a:srgbClr val="FFFFFF">
+                    <a:shade val="100000"/>
+                    <a:satMod val="115000"/>
+                  </a:srgbClr>
+                </a:gs>
+              </a:gsLst>
+              <a:lin ang="16200000" scaled="1"/>
+              <a:tileRect/>
+            </a:gradFill>
+            <a:ln w="3175" cap="flat" cmpd="sng" algn="ctr">
+              <a:noFill/>
+              <a:prstDash val="solid"/>
+              <a:round/>
+              <a:headEnd type="none" w="med" len="med"/>
+              <a:tailEnd type="none" w="med" len="med"/>
+            </a:ln>
+            <a:effectLst>
+              <a:outerShdw blurRad="50800" dist="38100" dir="5400000" algn="t" rotWithShape="0">
+                <a:prstClr val="black">
+                  <a:alpha val="40000"/>
+                </a:prstClr>
+              </a:outerShdw>
+            </a:effectLst>
+          </p:spPr>
+          <p:txBody>
+            <a:bodyPr vert="horz" wrap="square" lIns="91440" tIns="91440" rIns="91440" bIns="45720" numCol="1" rtlCol="0" anchor="t" anchorCtr="0" compatLnSpc="1">
+              <a:prstTxWarp prst="textNoShape">
+                <a:avLst/>
+              </a:prstTxWarp>
+              <a:noAutofit/>
+            </a:bodyPr>
+            <a:lstStyle>
+              <a:defPPr>
+                <a:defRPr lang="en-US"/>
+              </a:defPPr>
+              <a:lvl1pPr marL="171450" indent="-171450" algn="l" defTabSz="914363">
+                <a:buClr>
+                  <a:schemeClr val="accent1">
+                    <a:lumMod val="75000"/>
+                  </a:schemeClr>
+                </a:buClr>
+                <a:buFont typeface="Wingdings" pitchFamily="2" charset="2"/>
+                <a:buChar char="§"/>
+                <a:defRPr sz="1100" b="1">
+                  <a:solidFill>
+                    <a:schemeClr val="tx1"/>
+                  </a:solidFill>
+                </a:defRPr>
+              </a:lvl1pPr>
+              <a:lvl3pPr marL="169863" lvl="2" indent="-169863">
+                <a:spcAft>
+                  <a:spcPts val="600"/>
+                </a:spcAft>
+                <a:buClr>
+                  <a:srgbClr val="FFFFFF"/>
+                </a:buClr>
+                <a:buSzPct val="100000"/>
+                <a:buFont typeface="Arial" pitchFamily="34" charset="0"/>
+                <a:buChar char="•"/>
+                <a:defRPr sz="1400" b="1">
+                  <a:ln>
+                    <a:solidFill>
+                      <a:srgbClr val="FFFFFF">
+                        <a:alpha val="0"/>
+                      </a:srgbClr>
+                    </a:solidFill>
+                  </a:ln>
+                  <a:solidFill>
+                    <a:srgbClr val="FFFFFF"/>
+                  </a:solidFill>
+                  <a:ea typeface="Verdana" pitchFamily="34" charset="0"/>
+                  <a:cs typeface="Verdana" pitchFamily="34" charset="0"/>
+                </a:defRPr>
+              </a:lvl3pPr>
+            </a:lstStyle>
+            <a:p>
+              <a:pPr>
+                <a:defRPr/>
+              </a:pPr>
+              <a:r>
+                <a:rPr lang="en-US" sz="1400" dirty="0"/>
+                <a:t>High </a:t>
+              </a:r>
+              <a:r>
+                <a:rPr lang="en-US" sz="1400" dirty="0" err="1"/>
+                <a:t>capex</a:t>
+              </a:r>
+              <a:r>
+                <a:rPr lang="en-US" sz="1400" dirty="0"/>
+                <a:t> and </a:t>
+              </a:r>
+              <a:r>
+                <a:rPr lang="en-US" sz="1400" dirty="0" err="1"/>
+                <a:t>opex</a:t>
+              </a:r>
+              <a:endParaRPr lang="en-US" sz="1400" dirty="0"/>
+            </a:p>
+            <a:p>
+              <a:pPr>
+                <a:defRPr/>
+              </a:pPr>
+              <a:r>
+                <a:rPr lang="en-US" sz="1400" dirty="0"/>
+                <a:t>High complexity, </a:t>
+              </a:r>
+              <a:r>
+                <a:rPr lang="en-US" sz="1400" dirty="0" err="1"/>
+                <a:t>Siloed</a:t>
+              </a:r>
+              <a:r>
+                <a:rPr lang="en-US" sz="1400" dirty="0"/>
+                <a:t> IT</a:t>
+              </a:r>
+            </a:p>
+            <a:p>
+              <a:pPr>
+                <a:defRPr/>
+              </a:pPr>
+              <a:r>
+                <a:rPr lang="en-US" sz="1400" dirty="0"/>
+                <a:t>Operational inefficiencies </a:t>
+              </a:r>
+            </a:p>
+          </p:txBody>
+        </p:sp>
+      </p:grpSp>
+    </p:spTree>
+    <p:extLst>
+      <p:ext uri="{BB962C8B-B14F-4D97-AF65-F5344CB8AC3E}">
+        <p14:creationId xmlns:p14="http://schemas.microsoft.com/office/powerpoint/2010/main" val="2743984356"/>
+      </p:ext>
+    </p:extLst>
+  </p:cSld>
+  <p:clrMapOvr>
+    <a:masterClrMapping/>
+  </p:clrMapOvr>
+  <p:timing>
+    <p:tnLst>
+      <p:par>
+        <p:cTn id="1" dur="indefinite" restart="never" nodeType="tmRoot"/>
+      </p:par>
+    </p:tnLst>
+  </p:timing>
+</p:sld>
+</file>
+
+<file path=ppt/slides/slide12.xml><?xml version="1.0" encoding="utf-8"?>
 <p:sld xmlns:a="http://schemas.openxmlformats.org/drawingml/2006/main" xmlns:r="http://schemas.openxmlformats.org/officeDocument/2006/relationships" xmlns:p="http://schemas.openxmlformats.org/presentationml/2006/main">
   <p:cSld>
     <p:spTree>
@@ -5029,7 +5948,7 @@
 </p:sld>
 </file>
 
-<file path=ppt/slides/slide11.xml><?xml version="1.0" encoding="utf-8"?>
+<file path=ppt/slides/slide13.xml><?xml version="1.0" encoding="utf-8"?>
 <p:sld xmlns:a="http://schemas.openxmlformats.org/drawingml/2006/main" xmlns:r="http://schemas.openxmlformats.org/officeDocument/2006/relationships" xmlns:p="http://schemas.openxmlformats.org/presentationml/2006/main">
   <p:cSld>
     <p:spTree>
@@ -5383,14 +6302,6 @@
               </a:rPr>
               <a:t>…</a:t>
             </a:r>
-            <a:endParaRPr lang="en-US" sz="2000" b="1" dirty="0" smtClean="0">
-              <a:solidFill>
-                <a:schemeClr val="tx1"/>
-              </a:solidFill>
-              <a:latin typeface="Times New Roman" panose="02020603050405020304" pitchFamily="18" charset="0"/>
-              <a:ea typeface="黑体" panose="02010609060101010101" pitchFamily="49" charset="-122"/>
-              <a:cs typeface="Times New Roman" panose="02020603050405020304" pitchFamily="18" charset="0"/>
-            </a:endParaRPr>
           </a:p>
         </p:txBody>
       </p:sp>
@@ -7009,7 +7920,7 @@
 </p:sld>
 </file>
 
-<file path=ppt/slides/slide12.xml><?xml version="1.0" encoding="utf-8"?>
+<file path=ppt/slides/slide14.xml><?xml version="1.0" encoding="utf-8"?>
 <p:sld xmlns:a="http://schemas.openxmlformats.org/drawingml/2006/main" xmlns:r="http://schemas.openxmlformats.org/officeDocument/2006/relationships" xmlns:p="http://schemas.openxmlformats.org/presentationml/2006/main">
   <p:cSld>
     <p:spTree>
@@ -7500,7 +8411,7 @@
 </p:sld>
 </file>
 
-<file path=ppt/slides/slide13.xml><?xml version="1.0" encoding="utf-8"?>
+<file path=ppt/slides/slide15.xml><?xml version="1.0" encoding="utf-8"?>
 <p:sld xmlns:a="http://schemas.openxmlformats.org/drawingml/2006/main" xmlns:r="http://schemas.openxmlformats.org/officeDocument/2006/relationships" xmlns:p="http://schemas.openxmlformats.org/presentationml/2006/main">
   <p:cSld>
     <p:spTree>
@@ -7633,7 +8544,7 @@
 </p:sld>
 </file>
 
-<file path=ppt/slides/slide14.xml><?xml version="1.0" encoding="utf-8"?>
+<file path=ppt/slides/slide16.xml><?xml version="1.0" encoding="utf-8"?>
 <p:sld xmlns:a="http://schemas.openxmlformats.org/drawingml/2006/main" xmlns:r="http://schemas.openxmlformats.org/officeDocument/2006/relationships" xmlns:p="http://schemas.openxmlformats.org/presentationml/2006/main">
   <p:cSld>
     <p:spTree>
@@ -8350,7 +9261,7 @@
 </p:sld>
 </file>
 
-<file path=ppt/slides/slide15.xml><?xml version="1.0" encoding="utf-8"?>
+<file path=ppt/slides/slide17.xml><?xml version="1.0" encoding="utf-8"?>
 <p:sld xmlns:a="http://schemas.openxmlformats.org/drawingml/2006/main" xmlns:r="http://schemas.openxmlformats.org/officeDocument/2006/relationships" xmlns:p="http://schemas.openxmlformats.org/presentationml/2006/main">
   <p:cSld>
     <p:spTree>
@@ -9413,27 +10324,8 @@
                       </a:schemeClr>
                     </a:solidFill>
                   </a:rPr>
-                  <a:t>x</a:t>
+                  <a:t>x86 Linux</a:t>
                 </a:r>
-                <a:r>
-                  <a:rPr lang="en-US" sz="1200" dirty="0">
-                    <a:solidFill>
-                      <a:schemeClr val="tx1">
-                        <a:lumMod val="50000"/>
-                        <a:lumOff val="50000"/>
-                      </a:schemeClr>
-                    </a:solidFill>
-                  </a:rPr>
-                  <a:t>86 Linux</a:t>
-                </a:r>
-                <a:endParaRPr lang="en-US" sz="1200" dirty="0">
-                  <a:solidFill>
-                    <a:schemeClr val="tx1">
-                      <a:lumMod val="50000"/>
-                      <a:lumOff val="50000"/>
-                    </a:schemeClr>
-                  </a:solidFill>
-                </a:endParaRPr>
               </a:p>
             </p:txBody>
           </p:sp>
@@ -10334,681 +11226,6 @@
 </p:sld>
 </file>
 
-<file path=ppt/slides/slide16.xml><?xml version="1.0" encoding="utf-8"?>
-<p:sld xmlns:a="http://schemas.openxmlformats.org/drawingml/2006/main" xmlns:r="http://schemas.openxmlformats.org/officeDocument/2006/relationships" xmlns:p="http://schemas.openxmlformats.org/presentationml/2006/main">
-  <p:cSld>
-    <p:spTree>
-      <p:nvGrpSpPr>
-        <p:cNvPr id="1" name=""/>
-        <p:cNvGrpSpPr/>
-        <p:nvPr/>
-      </p:nvGrpSpPr>
-      <p:grpSpPr>
-        <a:xfrm>
-          <a:off x="0" y="0"/>
-          <a:ext cx="0" cy="0"/>
-          <a:chOff x="0" y="0"/>
-          <a:chExt cx="0" cy="0"/>
-        </a:xfrm>
-      </p:grpSpPr>
-      <p:sp>
-        <p:nvSpPr>
-          <p:cNvPr id="2" name="标题 1"/>
-          <p:cNvSpPr>
-            <a:spLocks noGrp="1"/>
-          </p:cNvSpPr>
-          <p:nvPr>
-            <p:ph type="title"/>
-          </p:nvPr>
-        </p:nvSpPr>
-        <p:spPr/>
-        <p:txBody>
-          <a:bodyPr/>
-          <a:lstStyle/>
-          <a:p>
-            <a:r>
-              <a:rPr lang="zh-CN" altLang="en-US" dirty="0"/>
-              <a:t>系统监控</a:t>
-            </a:r>
-            <a:r>
-              <a:rPr lang="zh-CN" altLang="en-US" dirty="0" smtClean="0"/>
-              <a:t>管理实践</a:t>
-            </a:r>
-            <a:endParaRPr lang="zh-CN" altLang="en-US" dirty="0"/>
-          </a:p>
-        </p:txBody>
-      </p:sp>
-      <p:sp>
-        <p:nvSpPr>
-          <p:cNvPr id="3" name="内容占位符 2"/>
-          <p:cNvSpPr>
-            <a:spLocks noGrp="1"/>
-          </p:cNvSpPr>
-          <p:nvPr>
-            <p:ph idx="1"/>
-          </p:nvPr>
-        </p:nvSpPr>
-        <p:spPr/>
-        <p:txBody>
-          <a:bodyPr>
-            <a:normAutofit fontScale="92500" lnSpcReduction="10000"/>
-          </a:bodyPr>
-          <a:lstStyle/>
-          <a:p>
-            <a:pPr>
-              <a:lnSpc>
-                <a:spcPct val="110000"/>
-              </a:lnSpc>
-              <a:spcBef>
-                <a:spcPts val="0"/>
-              </a:spcBef>
-            </a:pPr>
-            <a:r>
-              <a:rPr lang="zh-CN" altLang="en-US" sz="2900" dirty="0" smtClean="0"/>
-              <a:t>性能指标采集</a:t>
-            </a:r>
-            <a:endParaRPr lang="en-US" altLang="zh-CN" sz="2900" dirty="0" smtClean="0"/>
-          </a:p>
-          <a:p>
-            <a:pPr lvl="1">
-              <a:lnSpc>
-                <a:spcPct val="110000"/>
-              </a:lnSpc>
-              <a:spcBef>
-                <a:spcPts val="0"/>
-              </a:spcBef>
-            </a:pPr>
-            <a:r>
-              <a:rPr lang="zh-CN" altLang="en-US" sz="2500" dirty="0" smtClean="0"/>
-              <a:t>实践</a:t>
-            </a:r>
-            <a:endParaRPr lang="en-US" altLang="zh-CN" sz="2500" dirty="0" smtClean="0"/>
-          </a:p>
-          <a:p>
-            <a:pPr lvl="2">
-              <a:lnSpc>
-                <a:spcPct val="110000"/>
-              </a:lnSpc>
-              <a:spcBef>
-                <a:spcPts val="0"/>
-              </a:spcBef>
-            </a:pPr>
-            <a:r>
-              <a:rPr lang="zh-CN" altLang="en-US" sz="2100" dirty="0" smtClean="0"/>
-              <a:t>内核与运行状态 </a:t>
-            </a:r>
-            <a:r>
-              <a:rPr lang="en-US" altLang="zh-CN" sz="2100" dirty="0" err="1" smtClean="0"/>
-              <a:t>uname</a:t>
-            </a:r>
-            <a:r>
-              <a:rPr lang="en-US" altLang="zh-CN" sz="2100" dirty="0"/>
-              <a:t>, uptime, top/</a:t>
-            </a:r>
-            <a:r>
-              <a:rPr lang="en-US" altLang="zh-CN" sz="2100" dirty="0" err="1"/>
-              <a:t>htop</a:t>
-            </a:r>
-            <a:r>
-              <a:rPr lang="en-US" altLang="zh-CN" sz="2100" dirty="0"/>
-              <a:t>, </a:t>
-            </a:r>
-            <a:r>
-              <a:rPr lang="en-US" altLang="zh-CN" sz="2100" dirty="0" err="1" smtClean="0"/>
-              <a:t>ps</a:t>
-            </a:r>
-            <a:endParaRPr lang="en-US" altLang="zh-CN" sz="2100" dirty="0" smtClean="0"/>
-          </a:p>
-          <a:p>
-            <a:pPr lvl="2">
-              <a:lnSpc>
-                <a:spcPct val="110000"/>
-              </a:lnSpc>
-              <a:spcBef>
-                <a:spcPts val="0"/>
-              </a:spcBef>
-            </a:pPr>
-            <a:r>
-              <a:rPr lang="zh-CN" altLang="en-US" sz="2100" dirty="0" smtClean="0"/>
-              <a:t>存储 </a:t>
-            </a:r>
-            <a:r>
-              <a:rPr lang="en-US" altLang="zh-CN" sz="2100" dirty="0" smtClean="0"/>
-              <a:t>free</a:t>
-            </a:r>
-            <a:r>
-              <a:rPr lang="en-US" altLang="zh-CN" sz="2100" dirty="0"/>
-              <a:t>, </a:t>
-            </a:r>
-            <a:r>
-              <a:rPr lang="en-US" altLang="zh-CN" sz="2100" dirty="0" err="1"/>
-              <a:t>df</a:t>
-            </a:r>
-            <a:r>
-              <a:rPr lang="en-US" altLang="zh-CN" sz="2100" dirty="0"/>
-              <a:t>, </a:t>
-            </a:r>
-            <a:r>
-              <a:rPr lang="en-US" altLang="zh-CN" sz="2100" dirty="0" err="1"/>
-              <a:t>fdisk</a:t>
-            </a:r>
-            <a:r>
-              <a:rPr lang="en-US" altLang="zh-CN" sz="2100" dirty="0"/>
-              <a:t> </a:t>
-            </a:r>
-            <a:r>
-              <a:rPr lang="en-US" altLang="zh-CN" sz="2100" dirty="0" smtClean="0"/>
-              <a:t>–l</a:t>
-            </a:r>
-          </a:p>
-          <a:p>
-            <a:pPr lvl="2">
-              <a:lnSpc>
-                <a:spcPct val="110000"/>
-              </a:lnSpc>
-              <a:spcBef>
-                <a:spcPts val="0"/>
-              </a:spcBef>
-            </a:pPr>
-            <a:r>
-              <a:rPr lang="zh-CN" altLang="en-US" sz="2100" dirty="0" smtClean="0"/>
-              <a:t>网络 </a:t>
-            </a:r>
-            <a:r>
-              <a:rPr lang="en-US" altLang="zh-CN" sz="2100" dirty="0" err="1" smtClean="0"/>
-              <a:t>ip</a:t>
-            </a:r>
-            <a:r>
-              <a:rPr lang="en-US" altLang="zh-CN" sz="2100" dirty="0" smtClean="0"/>
-              <a:t>/</a:t>
-            </a:r>
-            <a:r>
-              <a:rPr lang="en-US" altLang="zh-CN" sz="2100" dirty="0" err="1" smtClean="0"/>
-              <a:t>ifconfig</a:t>
-            </a:r>
-            <a:r>
-              <a:rPr lang="en-US" altLang="zh-CN" sz="2100" dirty="0"/>
-              <a:t>, </a:t>
-            </a:r>
-            <a:r>
-              <a:rPr lang="en-US" altLang="zh-CN" sz="2100" dirty="0" err="1" smtClean="0"/>
-              <a:t>ss</a:t>
-            </a:r>
-            <a:r>
-              <a:rPr lang="en-US" altLang="zh-CN" sz="2100" dirty="0" smtClean="0"/>
-              <a:t>/</a:t>
-            </a:r>
-            <a:r>
-              <a:rPr lang="en-US" altLang="zh-CN" sz="2100" dirty="0" err="1" smtClean="0"/>
-              <a:t>netstat</a:t>
-            </a:r>
-            <a:endParaRPr lang="en-US" altLang="zh-CN" sz="2100" dirty="0" smtClean="0"/>
-          </a:p>
-          <a:p>
-            <a:pPr lvl="2">
-              <a:lnSpc>
-                <a:spcPct val="110000"/>
-              </a:lnSpc>
-              <a:spcBef>
-                <a:spcPts val="0"/>
-              </a:spcBef>
-            </a:pPr>
-            <a:r>
-              <a:rPr lang="zh-CN" altLang="en-US" sz="2100" dirty="0"/>
-              <a:t>特殊</a:t>
-            </a:r>
-            <a:r>
-              <a:rPr lang="zh-CN" altLang="en-US" sz="2100" dirty="0" smtClean="0"/>
-              <a:t>文件系统 </a:t>
-            </a:r>
-            <a:r>
-              <a:rPr lang="en-US" altLang="zh-CN" sz="2100" dirty="0" smtClean="0"/>
-              <a:t>/</a:t>
-            </a:r>
-            <a:r>
-              <a:rPr lang="en-US" altLang="zh-CN" sz="2100" dirty="0" err="1" smtClean="0"/>
-              <a:t>proc</a:t>
-            </a:r>
-            <a:r>
-              <a:rPr lang="en-US" altLang="zh-CN" sz="2100" dirty="0"/>
-              <a:t>, </a:t>
-            </a:r>
-            <a:r>
-              <a:rPr lang="en-US" altLang="zh-CN" sz="2100" dirty="0" smtClean="0"/>
-              <a:t>/sys, /</a:t>
-            </a:r>
-            <a:r>
-              <a:rPr lang="en-US" altLang="zh-CN" sz="2100" dirty="0" err="1"/>
-              <a:t>var</a:t>
-            </a:r>
-            <a:r>
-              <a:rPr lang="en-US" altLang="zh-CN" sz="2100" dirty="0"/>
-              <a:t>/log</a:t>
-            </a:r>
-            <a:endParaRPr lang="en-US" altLang="zh-CN" sz="2100" dirty="0" smtClean="0"/>
-          </a:p>
-          <a:p>
-            <a:pPr>
-              <a:lnSpc>
-                <a:spcPct val="110000"/>
-              </a:lnSpc>
-              <a:spcBef>
-                <a:spcPts val="0"/>
-              </a:spcBef>
-            </a:pPr>
-            <a:r>
-              <a:rPr lang="zh-CN" altLang="en-US" sz="2900" dirty="0" smtClean="0"/>
-              <a:t>集群监控</a:t>
-            </a:r>
-            <a:endParaRPr lang="en-US" altLang="zh-CN" sz="2900" dirty="0" smtClean="0"/>
-          </a:p>
-          <a:p>
-            <a:pPr lvl="1">
-              <a:lnSpc>
-                <a:spcPct val="110000"/>
-              </a:lnSpc>
-              <a:spcBef>
-                <a:spcPts val="0"/>
-              </a:spcBef>
-            </a:pPr>
-            <a:r>
-              <a:rPr lang="zh-CN" altLang="en-US" sz="2500" dirty="0" smtClean="0"/>
-              <a:t>实践</a:t>
-            </a:r>
-            <a:endParaRPr lang="en-US" altLang="zh-CN" sz="2500" dirty="0" smtClean="0"/>
-          </a:p>
-          <a:p>
-            <a:pPr lvl="2">
-              <a:lnSpc>
-                <a:spcPct val="110000"/>
-              </a:lnSpc>
-              <a:spcBef>
-                <a:spcPts val="0"/>
-              </a:spcBef>
-            </a:pPr>
-            <a:r>
-              <a:rPr lang="zh-CN" altLang="en-US" sz="2100" dirty="0"/>
-              <a:t>建立一个初步</a:t>
-            </a:r>
-            <a:r>
-              <a:rPr lang="zh-CN" altLang="en-US" sz="2100" dirty="0" smtClean="0"/>
-              <a:t>仪表盘 </a:t>
-            </a:r>
-            <a:r>
-              <a:rPr lang="en-US" altLang="zh-CN" sz="2100" dirty="0" err="1" smtClean="0"/>
-              <a:t>grafana+influxdb</a:t>
-            </a:r>
-            <a:endParaRPr lang="en-US" altLang="zh-CN" sz="2100" dirty="0" smtClean="0"/>
-          </a:p>
-          <a:p>
-            <a:pPr lvl="2">
-              <a:lnSpc>
-                <a:spcPct val="110000"/>
-              </a:lnSpc>
-              <a:spcBef>
-                <a:spcPts val="0"/>
-              </a:spcBef>
-            </a:pPr>
-            <a:r>
-              <a:rPr lang="zh-CN" altLang="en-US" sz="2100" dirty="0" smtClean="0"/>
-              <a:t>容器管理 </a:t>
-            </a:r>
-            <a:r>
-              <a:rPr lang="en-US" altLang="zh-CN" sz="2100" dirty="0" err="1" smtClean="0"/>
-              <a:t>portainer</a:t>
-            </a:r>
-            <a:r>
-              <a:rPr lang="en-US" altLang="zh-CN" sz="2100" dirty="0" smtClean="0"/>
-              <a:t>, k8s</a:t>
-            </a:r>
-          </a:p>
-          <a:p>
-            <a:pPr lvl="1">
-              <a:lnSpc>
-                <a:spcPct val="110000"/>
-              </a:lnSpc>
-              <a:spcBef>
-                <a:spcPts val="0"/>
-              </a:spcBef>
-            </a:pPr>
-            <a:r>
-              <a:rPr lang="zh-CN" altLang="en-US" sz="2500" dirty="0" smtClean="0"/>
-              <a:t>参考</a:t>
-            </a:r>
-            <a:endParaRPr lang="en-US" altLang="zh-CN" sz="2500" dirty="0" smtClean="0"/>
-          </a:p>
-          <a:p>
-            <a:pPr lvl="2">
-              <a:lnSpc>
-                <a:spcPct val="110000"/>
-              </a:lnSpc>
-              <a:spcBef>
-                <a:spcPts val="0"/>
-              </a:spcBef>
-            </a:pPr>
-            <a:r>
-              <a:rPr lang="en-US" altLang="zh-CN" sz="2100" dirty="0">
-                <a:hlinkClick r:id="rId2"/>
-              </a:rPr>
-              <a:t>https://</a:t>
-            </a:r>
-            <a:r>
-              <a:rPr lang="en-US" altLang="zh-CN" sz="2100" dirty="0" smtClean="0">
-                <a:hlinkClick r:id="rId2"/>
-              </a:rPr>
-              <a:t>github.com/cs-course/vagrant-tutorial</a:t>
-            </a:r>
-            <a:endParaRPr lang="en-US" altLang="zh-CN" sz="2100" dirty="0" smtClean="0"/>
-          </a:p>
-          <a:p>
-            <a:pPr lvl="2">
-              <a:lnSpc>
-                <a:spcPct val="110000"/>
-              </a:lnSpc>
-              <a:spcBef>
-                <a:spcPts val="0"/>
-              </a:spcBef>
-            </a:pPr>
-            <a:r>
-              <a:rPr lang="en-US" altLang="zh-CN" sz="2100" dirty="0">
-                <a:hlinkClick r:id="rId3"/>
-              </a:rPr>
-              <a:t>https://</a:t>
-            </a:r>
-            <a:r>
-              <a:rPr lang="en-US" altLang="zh-CN" sz="2100" dirty="0" smtClean="0">
-                <a:hlinkClick r:id="rId3"/>
-              </a:rPr>
-              <a:t>github.com/cs-course/cluster-monitoring-tutorial</a:t>
-            </a:r>
-            <a:endParaRPr lang="en-US" altLang="zh-CN" sz="2100" dirty="0"/>
-          </a:p>
-        </p:txBody>
-      </p:sp>
-    </p:spTree>
-    <p:extLst>
-      <p:ext uri="{BB962C8B-B14F-4D97-AF65-F5344CB8AC3E}">
-        <p14:creationId xmlns:p14="http://schemas.microsoft.com/office/powerpoint/2010/main" val="839951996"/>
-      </p:ext>
-    </p:extLst>
-  </p:cSld>
-  <p:clrMapOvr>
-    <a:masterClrMapping/>
-  </p:clrMapOvr>
-  <p:timing>
-    <p:tnLst>
-      <p:par>
-        <p:cTn id="1" dur="indefinite" restart="never" nodeType="tmRoot"/>
-      </p:par>
-    </p:tnLst>
-  </p:timing>
-</p:sld>
-</file>
-
-<file path=ppt/slides/slide17.xml><?xml version="1.0" encoding="utf-8"?>
-<p:sld xmlns:a="http://schemas.openxmlformats.org/drawingml/2006/main" xmlns:r="http://schemas.openxmlformats.org/officeDocument/2006/relationships" xmlns:p="http://schemas.openxmlformats.org/presentationml/2006/main">
-  <p:cSld>
-    <p:spTree>
-      <p:nvGrpSpPr>
-        <p:cNvPr id="1" name=""/>
-        <p:cNvGrpSpPr/>
-        <p:nvPr/>
-      </p:nvGrpSpPr>
-      <p:grpSpPr>
-        <a:xfrm>
-          <a:off x="0" y="0"/>
-          <a:ext cx="0" cy="0"/>
-          <a:chOff x="0" y="0"/>
-          <a:chExt cx="0" cy="0"/>
-        </a:xfrm>
-      </p:grpSpPr>
-      <p:sp>
-        <p:nvSpPr>
-          <p:cNvPr id="2" name="标题 1"/>
-          <p:cNvSpPr>
-            <a:spLocks noGrp="1"/>
-          </p:cNvSpPr>
-          <p:nvPr>
-            <p:ph type="title"/>
-          </p:nvPr>
-        </p:nvSpPr>
-        <p:spPr/>
-        <p:txBody>
-          <a:bodyPr/>
-          <a:lstStyle/>
-          <a:p>
-            <a:r>
-              <a:rPr lang="zh-CN" altLang="en-US" dirty="0" smtClean="0"/>
-              <a:t>论文学习基础</a:t>
-            </a:r>
-            <a:endParaRPr lang="zh-CN" altLang="en-US" dirty="0"/>
-          </a:p>
-        </p:txBody>
-      </p:sp>
-      <p:sp>
-        <p:nvSpPr>
-          <p:cNvPr id="3" name="内容占位符 2"/>
-          <p:cNvSpPr>
-            <a:spLocks noGrp="1"/>
-          </p:cNvSpPr>
-          <p:nvPr>
-            <p:ph idx="1"/>
-          </p:nvPr>
-        </p:nvSpPr>
-        <p:spPr/>
-        <p:txBody>
-          <a:bodyPr>
-            <a:normAutofit fontScale="92500"/>
-          </a:bodyPr>
-          <a:lstStyle/>
-          <a:p>
-            <a:pPr>
-              <a:lnSpc>
-                <a:spcPct val="110000"/>
-              </a:lnSpc>
-              <a:spcBef>
-                <a:spcPts val="0"/>
-              </a:spcBef>
-            </a:pPr>
-            <a:r>
-              <a:rPr lang="zh-CN" altLang="en-US" sz="2900" dirty="0" smtClean="0"/>
-              <a:t>基本方法</a:t>
-            </a:r>
-            <a:endParaRPr lang="en-US" altLang="zh-CN" sz="2900" dirty="0" smtClean="0"/>
-          </a:p>
-          <a:p>
-            <a:pPr lvl="1">
-              <a:lnSpc>
-                <a:spcPct val="110000"/>
-              </a:lnSpc>
-              <a:spcBef>
-                <a:spcPts val="0"/>
-              </a:spcBef>
-            </a:pPr>
-            <a:r>
-              <a:rPr lang="en-US" altLang="zh-CN" sz="2500" dirty="0"/>
-              <a:t>3-Pass </a:t>
-            </a:r>
-            <a:r>
-              <a:rPr lang="zh-CN" altLang="en-US" sz="2500" dirty="0"/>
-              <a:t>三遍</a:t>
-            </a:r>
-            <a:r>
-              <a:rPr lang="zh-CN" altLang="en-US" sz="2500" dirty="0" smtClean="0"/>
-              <a:t>法</a:t>
-            </a:r>
-            <a:endParaRPr lang="en-US" altLang="zh-CN" sz="2500" dirty="0" smtClean="0"/>
-          </a:p>
-          <a:p>
-            <a:pPr lvl="1">
-              <a:lnSpc>
-                <a:spcPct val="110000"/>
-              </a:lnSpc>
-              <a:spcBef>
-                <a:spcPts val="0"/>
-              </a:spcBef>
-            </a:pPr>
-            <a:r>
-              <a:rPr lang="zh-CN" altLang="en-US" sz="2500" dirty="0" smtClean="0"/>
-              <a:t>粗度与精读</a:t>
-            </a:r>
-            <a:endParaRPr lang="en-US" altLang="zh-CN" sz="2500" dirty="0" smtClean="0"/>
-          </a:p>
-          <a:p>
-            <a:pPr lvl="1">
-              <a:lnSpc>
-                <a:spcPct val="110000"/>
-              </a:lnSpc>
-              <a:spcBef>
-                <a:spcPts val="0"/>
-              </a:spcBef>
-            </a:pPr>
-            <a:r>
-              <a:rPr lang="zh-CN" altLang="en-US" dirty="0" smtClean="0"/>
-              <a:t>论文背后的故事</a:t>
-            </a:r>
-            <a:endParaRPr lang="en-US" altLang="zh-CN" dirty="0" smtClean="0"/>
-          </a:p>
-          <a:p>
-            <a:pPr lvl="1">
-              <a:lnSpc>
-                <a:spcPct val="110000"/>
-              </a:lnSpc>
-              <a:spcBef>
-                <a:spcPts val="0"/>
-              </a:spcBef>
-            </a:pPr>
-            <a:r>
-              <a:rPr lang="zh-CN" altLang="en-US" dirty="0" smtClean="0"/>
-              <a:t>中心思想三段论</a:t>
-            </a:r>
-            <a:endParaRPr lang="en-US" altLang="zh-CN" dirty="0" smtClean="0"/>
-          </a:p>
-          <a:p>
-            <a:pPr lvl="1">
-              <a:lnSpc>
-                <a:spcPct val="110000"/>
-              </a:lnSpc>
-              <a:spcBef>
-                <a:spcPts val="0"/>
-              </a:spcBef>
-            </a:pPr>
-            <a:r>
-              <a:rPr lang="zh-CN" altLang="en-US" dirty="0" smtClean="0"/>
-              <a:t>重现！</a:t>
-            </a:r>
-            <a:endParaRPr lang="en-US" altLang="zh-CN" dirty="0" smtClean="0"/>
-          </a:p>
-          <a:p>
-            <a:pPr>
-              <a:lnSpc>
-                <a:spcPct val="110000"/>
-              </a:lnSpc>
-              <a:spcBef>
-                <a:spcPts val="0"/>
-              </a:spcBef>
-            </a:pPr>
-            <a:r>
-              <a:rPr lang="zh-CN" altLang="en-US" sz="2900" dirty="0" smtClean="0"/>
-              <a:t>参考</a:t>
-            </a:r>
-            <a:endParaRPr lang="en-US" altLang="zh-CN" sz="2900" dirty="0" smtClean="0"/>
-          </a:p>
-          <a:p>
-            <a:pPr lvl="1">
-              <a:lnSpc>
-                <a:spcPct val="110000"/>
-              </a:lnSpc>
-              <a:spcBef>
-                <a:spcPts val="0"/>
-              </a:spcBef>
-            </a:pPr>
-            <a:r>
-              <a:rPr lang="en-US" altLang="zh-CN" sz="2000" dirty="0">
-                <a:hlinkClick r:id="rId2"/>
-              </a:rPr>
-              <a:t>https://www.eecs.harvard.edu/~</a:t>
-            </a:r>
-            <a:r>
-              <a:rPr lang="en-US" altLang="zh-CN" sz="2000" dirty="0" smtClean="0">
-                <a:hlinkClick r:id="rId2"/>
-              </a:rPr>
-              <a:t>michaelm/postscripts/ReadPaper.pdf</a:t>
-            </a:r>
-            <a:endParaRPr lang="en-US" altLang="zh-CN" sz="2000" dirty="0"/>
-          </a:p>
-          <a:p>
-            <a:pPr lvl="1">
-              <a:lnSpc>
-                <a:spcPct val="110000"/>
-              </a:lnSpc>
-              <a:spcBef>
-                <a:spcPts val="0"/>
-              </a:spcBef>
-            </a:pPr>
-            <a:r>
-              <a:rPr lang="en-US" altLang="zh-CN" sz="2000" dirty="0">
-                <a:hlinkClick r:id="rId3"/>
-              </a:rPr>
-              <a:t>http://</a:t>
-            </a:r>
-            <a:r>
-              <a:rPr lang="en-US" altLang="zh-CN" sz="2000" dirty="0" smtClean="0">
-                <a:hlinkClick r:id="rId3"/>
-              </a:rPr>
-              <a:t>blizzard.cs.uwaterloo.ca/keshav/home/Papers/data/07/paper-reading.pdf</a:t>
-            </a:r>
-            <a:endParaRPr lang="en-US" altLang="zh-CN" sz="2000" dirty="0" smtClean="0"/>
-          </a:p>
-          <a:p>
-            <a:pPr lvl="1">
-              <a:lnSpc>
-                <a:spcPct val="110000"/>
-              </a:lnSpc>
-              <a:spcBef>
-                <a:spcPts val="0"/>
-              </a:spcBef>
-            </a:pPr>
-            <a:r>
-              <a:rPr lang="zh-CN" altLang="en-US" sz="2000" dirty="0" smtClean="0"/>
-              <a:t>如何阅读学术研究论文？ </a:t>
-            </a:r>
-            <a:r>
-              <a:rPr lang="en-US" altLang="zh-CN" sz="2000" dirty="0">
-                <a:hlinkClick r:id="rId4"/>
-              </a:rPr>
-              <a:t>https://</a:t>
-            </a:r>
-            <a:r>
-              <a:rPr lang="en-US" altLang="zh-CN" sz="2000" dirty="0" smtClean="0">
-                <a:hlinkClick r:id="rId4"/>
-              </a:rPr>
-              <a:t>www.bilibili.com/video/av25584054</a:t>
-            </a:r>
-            <a:endParaRPr lang="en-US" altLang="zh-CN" sz="2000" dirty="0"/>
-          </a:p>
-        </p:txBody>
-      </p:sp>
-    </p:spTree>
-    <p:extLst>
-      <p:ext uri="{BB962C8B-B14F-4D97-AF65-F5344CB8AC3E}">
-        <p14:creationId xmlns:p14="http://schemas.microsoft.com/office/powerpoint/2010/main" val="3895930286"/>
-      </p:ext>
-    </p:extLst>
-  </p:cSld>
-  <p:clrMapOvr>
-    <a:masterClrMapping/>
-  </p:clrMapOvr>
-  <p:timing>
-    <p:tnLst>
-      <p:par>
-        <p:cTn id="1" dur="indefinite" restart="never" nodeType="tmRoot"/>
-      </p:par>
-    </p:tnLst>
-  </p:timing>
-</p:sld>
-</file>
-
 <file path=ppt/slides/slide18.xml><?xml version="1.0" encoding="utf-8"?>
 <p:sld xmlns:a="http://schemas.openxmlformats.org/drawingml/2006/main" xmlns:r="http://schemas.openxmlformats.org/officeDocument/2006/relationships" xmlns:p="http://schemas.openxmlformats.org/presentationml/2006/main">
   <p:cSld>
@@ -11043,8 +11260,13 @@
           <a:p>
             <a:r>
               <a:rPr lang="zh-CN" altLang="en-US" dirty="0"/>
-              <a:t>后续内容</a:t>
-            </a:r>
+              <a:t>系统监控</a:t>
+            </a:r>
+            <a:r>
+              <a:rPr lang="zh-CN" altLang="en-US" dirty="0" smtClean="0"/>
+              <a:t>管理实践</a:t>
+            </a:r>
+            <a:endParaRPr lang="zh-CN" altLang="en-US" dirty="0"/>
           </a:p>
         </p:txBody>
       </p:sp>
@@ -11061,214 +11283,645 @@
         <p:spPr/>
         <p:txBody>
           <a:bodyPr>
-            <a:normAutofit fontScale="92500" lnSpcReduction="20000"/>
+            <a:normAutofit fontScale="92500" lnSpcReduction="10000"/>
           </a:bodyPr>
           <a:lstStyle/>
           <a:p>
             <a:pPr>
               <a:lnSpc>
-                <a:spcPct val="120000"/>
+                <a:spcPct val="110000"/>
               </a:lnSpc>
               <a:spcBef>
                 <a:spcPts val="0"/>
               </a:spcBef>
             </a:pPr>
             <a:r>
-              <a:rPr lang="zh-CN" altLang="en-US" dirty="0" smtClean="0"/>
-              <a:t>范文</a:t>
-            </a:r>
-            <a:endParaRPr lang="en-US" altLang="zh-CN" dirty="0" smtClean="0"/>
+              <a:rPr lang="zh-CN" altLang="en-US" sz="2900" dirty="0" smtClean="0"/>
+              <a:t>性能指标采集</a:t>
+            </a:r>
+            <a:endParaRPr lang="en-US" altLang="zh-CN" sz="2900" dirty="0" smtClean="0"/>
           </a:p>
           <a:p>
             <a:pPr lvl="1">
               <a:lnSpc>
-                <a:spcPct val="120000"/>
+                <a:spcPct val="110000"/>
               </a:lnSpc>
               <a:spcBef>
                 <a:spcPts val="0"/>
               </a:spcBef>
             </a:pPr>
             <a:r>
-              <a:rPr lang="en-US" altLang="zh-CN" sz="2100" dirty="0" smtClean="0"/>
-              <a:t>Y</a:t>
-            </a:r>
-            <a:r>
-              <a:rPr lang="en-US" altLang="zh-CN" sz="2100" dirty="0"/>
-              <a:t>. Su, D. Feng, Y. Hua, Z. Shi, T. Zhu. IEEE, 2018. </a:t>
-            </a:r>
-            <a:r>
-              <a:rPr lang="en-US" altLang="zh-CN" sz="2100" b="1" dirty="0" err="1"/>
-              <a:t>NetRS</a:t>
-            </a:r>
-            <a:r>
-              <a:rPr lang="en-US" altLang="zh-CN" sz="2100" b="1" dirty="0"/>
-              <a:t>: Cutting Response Latency in Distributed Key-Value Stores with In-Network Replica Selection</a:t>
-            </a:r>
-            <a:r>
-              <a:rPr lang="en-US" altLang="zh-CN" sz="2100" dirty="0"/>
-              <a:t>[C]//2018 IEEE 38th International Conference on Distributed Computing Systems (ICDCS). </a:t>
-            </a:r>
-            <a:r>
-              <a:rPr lang="en-US" altLang="zh-CN" sz="2100" dirty="0" smtClean="0"/>
-              <a:t>2018, 143-153</a:t>
-            </a:r>
-            <a:r>
-              <a:rPr lang="en-US" altLang="zh-CN" sz="2100" dirty="0"/>
-              <a:t>.</a:t>
-            </a:r>
-          </a:p>
-          <a:p>
-            <a:pPr lvl="1">
+              <a:rPr lang="zh-CN" altLang="en-US" sz="2500" dirty="0" smtClean="0"/>
+              <a:t>实践</a:t>
+            </a:r>
+            <a:endParaRPr lang="en-US" altLang="zh-CN" sz="2500" dirty="0" smtClean="0"/>
+          </a:p>
+          <a:p>
+            <a:pPr lvl="2">
               <a:lnSpc>
-                <a:spcPct val="120000"/>
+                <a:spcPct val="110000"/>
               </a:lnSpc>
               <a:spcBef>
                 <a:spcPts val="0"/>
               </a:spcBef>
             </a:pPr>
             <a:r>
-              <a:rPr lang="en-US" altLang="zh-CN" sz="2100" dirty="0" smtClean="0"/>
-              <a:t>Su </a:t>
+              <a:rPr lang="zh-CN" altLang="en-US" sz="2100" dirty="0" smtClean="0"/>
+              <a:t>内核与运行状态 </a:t>
+            </a:r>
+            <a:r>
+              <a:rPr lang="en-US" altLang="zh-CN" sz="2100" dirty="0" err="1" smtClean="0"/>
+              <a:t>uname</a:t>
             </a:r>
             <a:r>
               <a:rPr lang="en-US" altLang="zh-CN" sz="2100" dirty="0"/>
-              <a:t>Y, Feng D, Hua Y, Shi Z. </a:t>
-            </a:r>
-            <a:r>
-              <a:rPr lang="en-US" altLang="zh-CN" sz="2100" b="1" dirty="0"/>
-              <a:t>Predicting Response Latency Percentiles for Cloud Object Storage Systems</a:t>
+              <a:t>, uptime, top/</a:t>
+            </a:r>
+            <a:r>
+              <a:rPr lang="en-US" altLang="zh-CN" sz="2100" dirty="0" err="1"/>
+              <a:t>htop</a:t>
             </a:r>
             <a:r>
               <a:rPr lang="en-US" altLang="zh-CN" sz="2100" dirty="0"/>
-              <a:t>[C]//2017 46th International Conference on Parallel Processing (ICPP). </a:t>
-            </a:r>
-            <a:r>
-              <a:rPr lang="en-US" altLang="zh-CN" sz="2100" dirty="0" smtClean="0"/>
-              <a:t>2017, 241-250.</a:t>
-            </a:r>
-          </a:p>
-          <a:p>
-            <a:pPr>
+              <a:t>, </a:t>
+            </a:r>
+            <a:r>
+              <a:rPr lang="en-US" altLang="zh-CN" sz="2100" dirty="0" err="1" smtClean="0"/>
+              <a:t>ps</a:t>
+            </a:r>
+            <a:endParaRPr lang="en-US" altLang="zh-CN" sz="2100" dirty="0" smtClean="0"/>
+          </a:p>
+          <a:p>
+            <a:pPr lvl="2">
               <a:lnSpc>
-                <a:spcPct val="120000"/>
+                <a:spcPct val="110000"/>
               </a:lnSpc>
               <a:spcBef>
                 <a:spcPts val="0"/>
               </a:spcBef>
             </a:pPr>
             <a:r>
-              <a:rPr lang="zh-CN" altLang="en-US" dirty="0"/>
-              <a:t>泛读相关论文</a:t>
-            </a:r>
-            <a:r>
-              <a:rPr lang="zh-CN" altLang="en-US" sz="2000" dirty="0"/>
-              <a:t> 选篇精读 </a:t>
-            </a:r>
-            <a:r>
-              <a:rPr lang="en-US" altLang="zh-CN" sz="2000" dirty="0"/>
-              <a:t>HPCA2018, ATC2018</a:t>
-            </a:r>
-          </a:p>
-          <a:p>
-            <a:pPr lvl="1">
+              <a:rPr lang="zh-CN" altLang="en-US" sz="2100" dirty="0" smtClean="0"/>
+              <a:t>存储 </a:t>
+            </a:r>
+            <a:r>
+              <a:rPr lang="en-US" altLang="zh-CN" sz="2100" dirty="0" smtClean="0"/>
+              <a:t>free</a:t>
+            </a:r>
+            <a:r>
+              <a:rPr lang="en-US" altLang="zh-CN" sz="2100" dirty="0"/>
+              <a:t>, </a:t>
+            </a:r>
+            <a:r>
+              <a:rPr lang="en-US" altLang="zh-CN" sz="2100" dirty="0" err="1"/>
+              <a:t>df</a:t>
+            </a:r>
+            <a:r>
+              <a:rPr lang="en-US" altLang="zh-CN" sz="2100" dirty="0"/>
+              <a:t>, </a:t>
+            </a:r>
+            <a:r>
+              <a:rPr lang="en-US" altLang="zh-CN" sz="2100" dirty="0" err="1"/>
+              <a:t>fdisk</a:t>
+            </a:r>
+            <a:r>
+              <a:rPr lang="en-US" altLang="zh-CN" sz="2100" dirty="0"/>
+              <a:t> </a:t>
+            </a:r>
+            <a:r>
+              <a:rPr lang="en-US" altLang="zh-CN" sz="2100" dirty="0" smtClean="0"/>
+              <a:t>–l</a:t>
+            </a:r>
+          </a:p>
+          <a:p>
+            <a:pPr lvl="2">
               <a:lnSpc>
-                <a:spcPct val="120000"/>
+                <a:spcPct val="110000"/>
               </a:lnSpc>
               <a:spcBef>
                 <a:spcPts val="0"/>
               </a:spcBef>
             </a:pPr>
             <a:r>
-              <a:rPr lang="en-US" altLang="zh-CN" dirty="0">
-                <a:hlinkClick r:id="rId2"/>
-              </a:rPr>
-              <a:t>http://hpca2018.ece.ucsb.edu/pages/main_program.html</a:t>
-            </a:r>
-            <a:endParaRPr lang="en-US" altLang="zh-CN" dirty="0"/>
-          </a:p>
-          <a:p>
-            <a:pPr lvl="1">
+              <a:rPr lang="zh-CN" altLang="en-US" sz="2100" dirty="0" smtClean="0"/>
+              <a:t>网络 </a:t>
+            </a:r>
+            <a:r>
+              <a:rPr lang="en-US" altLang="zh-CN" sz="2100" dirty="0" err="1" smtClean="0"/>
+              <a:t>ip</a:t>
+            </a:r>
+            <a:r>
+              <a:rPr lang="en-US" altLang="zh-CN" sz="2100" dirty="0" smtClean="0"/>
+              <a:t>/</a:t>
+            </a:r>
+            <a:r>
+              <a:rPr lang="en-US" altLang="zh-CN" sz="2100" dirty="0" err="1" smtClean="0"/>
+              <a:t>ifconfig</a:t>
+            </a:r>
+            <a:r>
+              <a:rPr lang="en-US" altLang="zh-CN" sz="2100" dirty="0"/>
+              <a:t>, </a:t>
+            </a:r>
+            <a:r>
+              <a:rPr lang="en-US" altLang="zh-CN" sz="2100" dirty="0" err="1" smtClean="0"/>
+              <a:t>ss</a:t>
+            </a:r>
+            <a:r>
+              <a:rPr lang="en-US" altLang="zh-CN" sz="2100" dirty="0" smtClean="0"/>
+              <a:t>/</a:t>
+            </a:r>
+            <a:r>
+              <a:rPr lang="en-US" altLang="zh-CN" sz="2100" dirty="0" err="1" smtClean="0"/>
+              <a:t>netstat</a:t>
+            </a:r>
+            <a:endParaRPr lang="en-US" altLang="zh-CN" sz="2100" dirty="0" smtClean="0"/>
+          </a:p>
+          <a:p>
+            <a:pPr lvl="2">
               <a:lnSpc>
-                <a:spcPct val="120000"/>
+                <a:spcPct val="110000"/>
               </a:lnSpc>
               <a:spcBef>
                 <a:spcPts val="0"/>
               </a:spcBef>
             </a:pPr>
             <a:r>
-              <a:rPr lang="en-US" altLang="zh-CN" dirty="0">
-                <a:hlinkClick r:id="rId3"/>
-              </a:rPr>
-              <a:t>https://</a:t>
-            </a:r>
-            <a:r>
-              <a:rPr lang="en-US" altLang="zh-CN" dirty="0" smtClean="0">
-                <a:hlinkClick r:id="rId3"/>
-              </a:rPr>
-              <a:t>www.usenix.org/conference/atc18/technical-sessions</a:t>
-            </a:r>
-            <a:endParaRPr lang="en-US" altLang="zh-CN" dirty="0" smtClean="0"/>
-          </a:p>
-          <a:p>
-            <a:pPr lvl="1">
+              <a:rPr lang="zh-CN" altLang="en-US" sz="2100" dirty="0"/>
+              <a:t>特殊</a:t>
+            </a:r>
+            <a:r>
+              <a:rPr lang="zh-CN" altLang="en-US" sz="2100" dirty="0" smtClean="0"/>
+              <a:t>文件系统 </a:t>
+            </a:r>
+            <a:r>
+              <a:rPr lang="en-US" altLang="zh-CN" sz="2100" dirty="0" smtClean="0"/>
+              <a:t>/</a:t>
+            </a:r>
+            <a:r>
+              <a:rPr lang="en-US" altLang="zh-CN" sz="2100" dirty="0" err="1" smtClean="0"/>
+              <a:t>proc</a:t>
+            </a:r>
+            <a:r>
+              <a:rPr lang="en-US" altLang="zh-CN" sz="2100" dirty="0"/>
+              <a:t>, </a:t>
+            </a:r>
+            <a:r>
+              <a:rPr lang="en-US" altLang="zh-CN" sz="2100" dirty="0" smtClean="0"/>
+              <a:t>/sys, /</a:t>
+            </a:r>
+            <a:r>
+              <a:rPr lang="en-US" altLang="zh-CN" sz="2100" dirty="0" err="1"/>
+              <a:t>var</a:t>
+            </a:r>
+            <a:r>
+              <a:rPr lang="en-US" altLang="zh-CN" sz="2100" dirty="0"/>
+              <a:t>/log</a:t>
+            </a:r>
+            <a:endParaRPr lang="en-US" altLang="zh-CN" sz="2100" dirty="0" smtClean="0"/>
+          </a:p>
+          <a:p>
+            <a:pPr>
               <a:lnSpc>
-                <a:spcPct val="120000"/>
+                <a:spcPct val="110000"/>
               </a:lnSpc>
               <a:spcBef>
                 <a:spcPts val="0"/>
               </a:spcBef>
             </a:pPr>
             <a:r>
-              <a:rPr lang="zh-CN" altLang="en-US" dirty="0" smtClean="0"/>
-              <a:t>通过协同编辑器选择 </a:t>
-            </a:r>
-            <a:r>
-              <a:rPr lang="en-US" altLang="zh-CN" dirty="0" smtClean="0">
-                <a:hlinkClick r:id="rId4"/>
-              </a:rPr>
-              <a:t>https</a:t>
-            </a:r>
-            <a:r>
-              <a:rPr lang="en-US" altLang="zh-CN" dirty="0">
-                <a:hlinkClick r:id="rId4"/>
-              </a:rPr>
-              <a:t>://docs.qq.com/desktop</a:t>
-            </a:r>
-            <a:r>
-              <a:rPr lang="en-US" altLang="zh-CN" dirty="0" smtClean="0">
-                <a:hlinkClick r:id="rId4"/>
-              </a:rPr>
-              <a:t>/</a:t>
-            </a:r>
-            <a:endParaRPr lang="en-US" altLang="zh-CN" dirty="0"/>
-          </a:p>
-          <a:p>
-            <a:pPr>
+              <a:rPr lang="zh-CN" altLang="en-US" sz="2900" dirty="0" smtClean="0"/>
+              <a:t>集群监控</a:t>
+            </a:r>
+            <a:endParaRPr lang="en-US" altLang="zh-CN" sz="2900" dirty="0" smtClean="0"/>
+          </a:p>
+          <a:p>
+            <a:pPr lvl="1">
               <a:lnSpc>
-                <a:spcPct val="120000"/>
+                <a:spcPct val="110000"/>
               </a:lnSpc>
               <a:spcBef>
                 <a:spcPts val="0"/>
               </a:spcBef>
             </a:pPr>
             <a:r>
-              <a:rPr lang="zh-CN" altLang="en-US" dirty="0" smtClean="0"/>
-              <a:t>论文研讨课评价方法</a:t>
-            </a:r>
-            <a:endParaRPr lang="zh-CN" altLang="en-US" dirty="0"/>
+              <a:rPr lang="zh-CN" altLang="en-US" sz="2500" dirty="0" smtClean="0"/>
+              <a:t>实践</a:t>
+            </a:r>
+            <a:endParaRPr lang="en-US" altLang="zh-CN" sz="2500" dirty="0" smtClean="0"/>
+          </a:p>
+          <a:p>
+            <a:pPr lvl="2">
+              <a:lnSpc>
+                <a:spcPct val="110000"/>
+              </a:lnSpc>
+              <a:spcBef>
+                <a:spcPts val="0"/>
+              </a:spcBef>
+            </a:pPr>
+            <a:r>
+              <a:rPr lang="zh-CN" altLang="en-US" sz="2100" dirty="0"/>
+              <a:t>建立一个初步</a:t>
+            </a:r>
+            <a:r>
+              <a:rPr lang="zh-CN" altLang="en-US" sz="2100" dirty="0" smtClean="0"/>
+              <a:t>仪表盘 </a:t>
+            </a:r>
+            <a:r>
+              <a:rPr lang="en-US" altLang="zh-CN" sz="2100" dirty="0" err="1" smtClean="0"/>
+              <a:t>grafana+influxdb</a:t>
+            </a:r>
+            <a:endParaRPr lang="en-US" altLang="zh-CN" sz="2100" dirty="0" smtClean="0"/>
+          </a:p>
+          <a:p>
+            <a:pPr lvl="2">
+              <a:lnSpc>
+                <a:spcPct val="110000"/>
+              </a:lnSpc>
+              <a:spcBef>
+                <a:spcPts val="0"/>
+              </a:spcBef>
+            </a:pPr>
+            <a:r>
+              <a:rPr lang="zh-CN" altLang="en-US" sz="2100" dirty="0" smtClean="0"/>
+              <a:t>容器管理 </a:t>
+            </a:r>
+            <a:r>
+              <a:rPr lang="en-US" altLang="zh-CN" sz="2100" dirty="0" err="1" smtClean="0"/>
+              <a:t>portainer</a:t>
+            </a:r>
+            <a:r>
+              <a:rPr lang="en-US" altLang="zh-CN" sz="2100" dirty="0" smtClean="0"/>
+              <a:t>, k8s</a:t>
+            </a:r>
+          </a:p>
+          <a:p>
+            <a:pPr lvl="1">
+              <a:lnSpc>
+                <a:spcPct val="110000"/>
+              </a:lnSpc>
+              <a:spcBef>
+                <a:spcPts val="0"/>
+              </a:spcBef>
+            </a:pPr>
+            <a:r>
+              <a:rPr lang="zh-CN" altLang="en-US" sz="2500" dirty="0" smtClean="0"/>
+              <a:t>参考</a:t>
+            </a:r>
+            <a:endParaRPr lang="en-US" altLang="zh-CN" sz="2500" dirty="0" smtClean="0"/>
+          </a:p>
+          <a:p>
+            <a:pPr lvl="2">
+              <a:lnSpc>
+                <a:spcPct val="110000"/>
+              </a:lnSpc>
+              <a:spcBef>
+                <a:spcPts val="0"/>
+              </a:spcBef>
+            </a:pPr>
+            <a:r>
+              <a:rPr lang="en-US" altLang="zh-CN" sz="2100" dirty="0">
+                <a:hlinkClick r:id="rId2"/>
+              </a:rPr>
+              <a:t>https://</a:t>
+            </a:r>
+            <a:r>
+              <a:rPr lang="en-US" altLang="zh-CN" sz="2100" dirty="0" smtClean="0">
+                <a:hlinkClick r:id="rId2"/>
+              </a:rPr>
+              <a:t>github.com/cs-course/vagrant-tutorial</a:t>
+            </a:r>
+            <a:endParaRPr lang="en-US" altLang="zh-CN" sz="2100" dirty="0" smtClean="0"/>
+          </a:p>
+          <a:p>
+            <a:pPr lvl="2">
+              <a:lnSpc>
+                <a:spcPct val="110000"/>
+              </a:lnSpc>
+              <a:spcBef>
+                <a:spcPts val="0"/>
+              </a:spcBef>
+            </a:pPr>
+            <a:r>
+              <a:rPr lang="en-US" altLang="zh-CN" sz="2100" dirty="0">
+                <a:hlinkClick r:id="rId3"/>
+              </a:rPr>
+              <a:t>https://</a:t>
+            </a:r>
+            <a:r>
+              <a:rPr lang="en-US" altLang="zh-CN" sz="2100" dirty="0" smtClean="0">
+                <a:hlinkClick r:id="rId3"/>
+              </a:rPr>
+              <a:t>github.com/cs-course/cluster-monitoring-tutorial</a:t>
+            </a:r>
+            <a:endParaRPr lang="en-US" altLang="zh-CN" sz="2100" dirty="0"/>
           </a:p>
         </p:txBody>
       </p:sp>
     </p:spTree>
     <p:extLst>
       <p:ext uri="{BB962C8B-B14F-4D97-AF65-F5344CB8AC3E}">
-        <p14:creationId xmlns:p14="http://schemas.microsoft.com/office/powerpoint/2010/main" val="480676760"/>
+        <p14:creationId xmlns:p14="http://schemas.microsoft.com/office/powerpoint/2010/main" val="839951996"/>
       </p:ext>
     </p:extLst>
   </p:cSld>
   <p:clrMapOvr>
     <a:masterClrMapping/>
   </p:clrMapOvr>
+  <p:timing>
+    <p:tnLst>
+      <p:par>
+        <p:cTn id="1" dur="indefinite" restart="never" nodeType="tmRoot"/>
+      </p:par>
+    </p:tnLst>
+  </p:timing>
+</p:sld>
+</file>
+
+<file path=ppt/slides/slide19.xml><?xml version="1.0" encoding="utf-8"?>
+<p:sld xmlns:a="http://schemas.openxmlformats.org/drawingml/2006/main" xmlns:r="http://schemas.openxmlformats.org/officeDocument/2006/relationships" xmlns:p="http://schemas.openxmlformats.org/presentationml/2006/main">
+  <p:cSld>
+    <p:spTree>
+      <p:nvGrpSpPr>
+        <p:cNvPr id="1" name=""/>
+        <p:cNvGrpSpPr/>
+        <p:nvPr/>
+      </p:nvGrpSpPr>
+      <p:grpSpPr>
+        <a:xfrm>
+          <a:off x="0" y="0"/>
+          <a:ext cx="0" cy="0"/>
+          <a:chOff x="0" y="0"/>
+          <a:chExt cx="0" cy="0"/>
+        </a:xfrm>
+      </p:grpSpPr>
+      <p:sp>
+        <p:nvSpPr>
+          <p:cNvPr id="2" name="标题 1"/>
+          <p:cNvSpPr>
+            <a:spLocks noGrp="1"/>
+          </p:cNvSpPr>
+          <p:nvPr>
+            <p:ph type="title"/>
+          </p:nvPr>
+        </p:nvSpPr>
+        <p:spPr/>
+        <p:txBody>
+          <a:bodyPr/>
+          <a:lstStyle/>
+          <a:p>
+            <a:r>
+              <a:rPr lang="zh-CN" altLang="en-US" dirty="0" smtClean="0"/>
+              <a:t>论文学习基础</a:t>
+            </a:r>
+            <a:endParaRPr lang="zh-CN" altLang="en-US" dirty="0"/>
+          </a:p>
+        </p:txBody>
+      </p:sp>
+      <p:sp>
+        <p:nvSpPr>
+          <p:cNvPr id="3" name="内容占位符 2"/>
+          <p:cNvSpPr>
+            <a:spLocks noGrp="1"/>
+          </p:cNvSpPr>
+          <p:nvPr>
+            <p:ph idx="1"/>
+          </p:nvPr>
+        </p:nvSpPr>
+        <p:spPr/>
+        <p:txBody>
+          <a:bodyPr>
+            <a:normAutofit fontScale="92500"/>
+          </a:bodyPr>
+          <a:lstStyle/>
+          <a:p>
+            <a:pPr>
+              <a:lnSpc>
+                <a:spcPct val="110000"/>
+              </a:lnSpc>
+              <a:spcBef>
+                <a:spcPts val="0"/>
+              </a:spcBef>
+            </a:pPr>
+            <a:r>
+              <a:rPr lang="zh-CN" altLang="en-US" sz="2900" dirty="0" smtClean="0"/>
+              <a:t>基本方法</a:t>
+            </a:r>
+            <a:endParaRPr lang="en-US" altLang="zh-CN" sz="2900" dirty="0" smtClean="0"/>
+          </a:p>
+          <a:p>
+            <a:pPr lvl="1">
+              <a:lnSpc>
+                <a:spcPct val="110000"/>
+              </a:lnSpc>
+              <a:spcBef>
+                <a:spcPts val="0"/>
+              </a:spcBef>
+            </a:pPr>
+            <a:r>
+              <a:rPr lang="en-US" altLang="zh-CN" sz="2500" dirty="0"/>
+              <a:t>3-Pass </a:t>
+            </a:r>
+            <a:r>
+              <a:rPr lang="zh-CN" altLang="en-US" sz="2500" dirty="0">
+                <a:solidFill>
+                  <a:srgbClr val="FF0000"/>
+                </a:solidFill>
+              </a:rPr>
+              <a:t>三遍</a:t>
+            </a:r>
+            <a:r>
+              <a:rPr lang="zh-CN" altLang="en-US" sz="2500" dirty="0" smtClean="0">
+                <a:solidFill>
+                  <a:srgbClr val="FF0000"/>
+                </a:solidFill>
+              </a:rPr>
+              <a:t>法</a:t>
+            </a:r>
+            <a:endParaRPr lang="en-US" altLang="zh-CN" sz="2500" dirty="0" smtClean="0">
+              <a:solidFill>
+                <a:srgbClr val="FF0000"/>
+              </a:solidFill>
+            </a:endParaRPr>
+          </a:p>
+          <a:p>
+            <a:pPr lvl="1">
+              <a:lnSpc>
+                <a:spcPct val="110000"/>
+              </a:lnSpc>
+              <a:spcBef>
+                <a:spcPts val="0"/>
+              </a:spcBef>
+            </a:pPr>
+            <a:r>
+              <a:rPr lang="zh-CN" altLang="en-US" sz="2500" dirty="0" smtClean="0"/>
+              <a:t>粗度与精读</a:t>
+            </a:r>
+            <a:endParaRPr lang="en-US" altLang="zh-CN" sz="2500" dirty="0" smtClean="0"/>
+          </a:p>
+          <a:p>
+            <a:pPr lvl="1">
+              <a:lnSpc>
+                <a:spcPct val="110000"/>
+              </a:lnSpc>
+              <a:spcBef>
+                <a:spcPts val="0"/>
+              </a:spcBef>
+            </a:pPr>
+            <a:r>
+              <a:rPr lang="zh-CN" altLang="en-US" dirty="0" smtClean="0"/>
+              <a:t>论文背后的故事</a:t>
+            </a:r>
+            <a:endParaRPr lang="en-US" altLang="zh-CN" dirty="0" smtClean="0"/>
+          </a:p>
+          <a:p>
+            <a:pPr lvl="1">
+              <a:lnSpc>
+                <a:spcPct val="110000"/>
+              </a:lnSpc>
+              <a:spcBef>
+                <a:spcPts val="0"/>
+              </a:spcBef>
+            </a:pPr>
+            <a:r>
+              <a:rPr lang="zh-CN" altLang="en-US" dirty="0" smtClean="0"/>
+              <a:t>中心思想</a:t>
+            </a:r>
+            <a:r>
+              <a:rPr lang="zh-CN" altLang="en-US" dirty="0" smtClean="0">
+                <a:solidFill>
+                  <a:srgbClr val="FF0000"/>
+                </a:solidFill>
+              </a:rPr>
+              <a:t>三段论</a:t>
+            </a:r>
+            <a:endParaRPr lang="en-US" altLang="zh-CN" dirty="0" smtClean="0">
+              <a:solidFill>
+                <a:srgbClr val="FF0000"/>
+              </a:solidFill>
+            </a:endParaRPr>
+          </a:p>
+          <a:p>
+            <a:pPr lvl="1">
+              <a:lnSpc>
+                <a:spcPct val="110000"/>
+              </a:lnSpc>
+              <a:spcBef>
+                <a:spcPts val="0"/>
+              </a:spcBef>
+            </a:pPr>
+            <a:r>
+              <a:rPr lang="zh-CN" altLang="en-US" dirty="0" smtClean="0"/>
+              <a:t>重现！</a:t>
+            </a:r>
+            <a:endParaRPr lang="en-US" altLang="zh-CN" dirty="0" smtClean="0"/>
+          </a:p>
+          <a:p>
+            <a:pPr>
+              <a:lnSpc>
+                <a:spcPct val="110000"/>
+              </a:lnSpc>
+              <a:spcBef>
+                <a:spcPts val="0"/>
+              </a:spcBef>
+            </a:pPr>
+            <a:r>
+              <a:rPr lang="zh-CN" altLang="en-US" sz="2900" dirty="0" smtClean="0"/>
+              <a:t>参考</a:t>
+            </a:r>
+            <a:endParaRPr lang="en-US" altLang="zh-CN" sz="2900" dirty="0" smtClean="0"/>
+          </a:p>
+          <a:p>
+            <a:pPr lvl="1">
+              <a:lnSpc>
+                <a:spcPct val="110000"/>
+              </a:lnSpc>
+              <a:spcBef>
+                <a:spcPts val="0"/>
+              </a:spcBef>
+            </a:pPr>
+            <a:r>
+              <a:rPr lang="en-US" altLang="zh-CN" sz="2000" dirty="0">
+                <a:hlinkClick r:id="rId2"/>
+              </a:rPr>
+              <a:t>https://www.eecs.harvard.edu/~</a:t>
+            </a:r>
+            <a:r>
+              <a:rPr lang="en-US" altLang="zh-CN" sz="2000" dirty="0" smtClean="0">
+                <a:hlinkClick r:id="rId2"/>
+              </a:rPr>
+              <a:t>michaelm/postscripts/ReadPaper.pdf</a:t>
+            </a:r>
+            <a:endParaRPr lang="en-US" altLang="zh-CN" sz="2000" dirty="0"/>
+          </a:p>
+          <a:p>
+            <a:pPr lvl="1">
+              <a:lnSpc>
+                <a:spcPct val="110000"/>
+              </a:lnSpc>
+              <a:spcBef>
+                <a:spcPts val="0"/>
+              </a:spcBef>
+            </a:pPr>
+            <a:r>
+              <a:rPr lang="en-US" altLang="zh-CN" sz="2000" dirty="0">
+                <a:hlinkClick r:id="rId3"/>
+              </a:rPr>
+              <a:t>http://</a:t>
+            </a:r>
+            <a:r>
+              <a:rPr lang="en-US" altLang="zh-CN" sz="2000" dirty="0" smtClean="0">
+                <a:hlinkClick r:id="rId3"/>
+              </a:rPr>
+              <a:t>blizzard.cs.uwaterloo.ca/keshav/home/Papers/data/07/paper-reading.pdf</a:t>
+            </a:r>
+            <a:endParaRPr lang="en-US" altLang="zh-CN" sz="2000" dirty="0" smtClean="0"/>
+          </a:p>
+          <a:p>
+            <a:pPr lvl="1">
+              <a:lnSpc>
+                <a:spcPct val="110000"/>
+              </a:lnSpc>
+              <a:spcBef>
+                <a:spcPts val="0"/>
+              </a:spcBef>
+            </a:pPr>
+            <a:r>
+              <a:rPr lang="zh-CN" altLang="en-US" sz="2000" dirty="0" smtClean="0"/>
+              <a:t>如何阅读学术研究论文？ </a:t>
+            </a:r>
+            <a:r>
+              <a:rPr lang="en-US" altLang="zh-CN" sz="2000" dirty="0">
+                <a:hlinkClick r:id="rId4"/>
+              </a:rPr>
+              <a:t>https://</a:t>
+            </a:r>
+            <a:r>
+              <a:rPr lang="en-US" altLang="zh-CN" sz="2000" dirty="0" smtClean="0">
+                <a:hlinkClick r:id="rId4"/>
+              </a:rPr>
+              <a:t>www.bilibili.com/video/av25584054</a:t>
+            </a:r>
+            <a:endParaRPr lang="en-US" altLang="zh-CN" sz="2000" dirty="0"/>
+          </a:p>
+        </p:txBody>
+      </p:sp>
+    </p:spTree>
+    <p:extLst>
+      <p:ext uri="{BB962C8B-B14F-4D97-AF65-F5344CB8AC3E}">
+        <p14:creationId xmlns:p14="http://schemas.microsoft.com/office/powerpoint/2010/main" val="3895930286"/>
+      </p:ext>
+    </p:extLst>
+  </p:cSld>
+  <p:clrMapOvr>
+    <a:masterClrMapping/>
+  </p:clrMapOvr>
+  <p:timing>
+    <p:tnLst>
+      <p:par>
+        <p:cTn id="1" dur="indefinite" restart="never" nodeType="tmRoot"/>
+      </p:par>
+    </p:tnLst>
+  </p:timing>
 </p:sld>
 </file>
 
@@ -11510,6 +12163,269 @@
       </p:par>
     </p:tnLst>
   </p:timing>
+</p:sld>
+</file>
+
+<file path=ppt/slides/slide20.xml><?xml version="1.0" encoding="utf-8"?>
+<p:sld xmlns:a="http://schemas.openxmlformats.org/drawingml/2006/main" xmlns:r="http://schemas.openxmlformats.org/officeDocument/2006/relationships" xmlns:p="http://schemas.openxmlformats.org/presentationml/2006/main">
+  <p:cSld>
+    <p:spTree>
+      <p:nvGrpSpPr>
+        <p:cNvPr id="1" name=""/>
+        <p:cNvGrpSpPr/>
+        <p:nvPr/>
+      </p:nvGrpSpPr>
+      <p:grpSpPr>
+        <a:xfrm>
+          <a:off x="0" y="0"/>
+          <a:ext cx="0" cy="0"/>
+          <a:chOff x="0" y="0"/>
+          <a:chExt cx="0" cy="0"/>
+        </a:xfrm>
+      </p:grpSpPr>
+      <p:sp>
+        <p:nvSpPr>
+          <p:cNvPr id="2" name="标题 1"/>
+          <p:cNvSpPr>
+            <a:spLocks noGrp="1"/>
+          </p:cNvSpPr>
+          <p:nvPr>
+            <p:ph type="title"/>
+          </p:nvPr>
+        </p:nvSpPr>
+        <p:spPr/>
+        <p:txBody>
+          <a:bodyPr/>
+          <a:lstStyle/>
+          <a:p>
+            <a:r>
+              <a:rPr lang="zh-CN" altLang="en-US" dirty="0"/>
+              <a:t>后续内容</a:t>
+            </a:r>
+          </a:p>
+        </p:txBody>
+      </p:sp>
+      <p:sp>
+        <p:nvSpPr>
+          <p:cNvPr id="3" name="内容占位符 2"/>
+          <p:cNvSpPr>
+            <a:spLocks noGrp="1"/>
+          </p:cNvSpPr>
+          <p:nvPr>
+            <p:ph idx="1"/>
+          </p:nvPr>
+        </p:nvSpPr>
+        <p:spPr/>
+        <p:txBody>
+          <a:bodyPr>
+            <a:normAutofit fontScale="92500" lnSpcReduction="20000"/>
+          </a:bodyPr>
+          <a:lstStyle/>
+          <a:p>
+            <a:pPr>
+              <a:lnSpc>
+                <a:spcPct val="120000"/>
+              </a:lnSpc>
+              <a:spcBef>
+                <a:spcPts val="0"/>
+              </a:spcBef>
+            </a:pPr>
+            <a:r>
+              <a:rPr lang="zh-CN" altLang="en-US" dirty="0" smtClean="0"/>
+              <a:t>范文</a:t>
+            </a:r>
+            <a:endParaRPr lang="en-US" altLang="zh-CN" dirty="0" smtClean="0"/>
+          </a:p>
+          <a:p>
+            <a:pPr lvl="1">
+              <a:lnSpc>
+                <a:spcPct val="120000"/>
+              </a:lnSpc>
+              <a:spcBef>
+                <a:spcPts val="0"/>
+              </a:spcBef>
+            </a:pPr>
+            <a:r>
+              <a:rPr lang="en-US" altLang="zh-CN" sz="2100" dirty="0" smtClean="0"/>
+              <a:t>Y</a:t>
+            </a:r>
+            <a:r>
+              <a:rPr lang="en-US" altLang="zh-CN" sz="2100" dirty="0"/>
+              <a:t>. Su, D. Feng, Y. Hua, Z. Shi, T. Zhu. IEEE, 2018. </a:t>
+            </a:r>
+            <a:r>
+              <a:rPr lang="en-US" altLang="zh-CN" sz="2100" b="1" dirty="0" err="1"/>
+              <a:t>NetRS</a:t>
+            </a:r>
+            <a:r>
+              <a:rPr lang="en-US" altLang="zh-CN" sz="2100" b="1" dirty="0"/>
+              <a:t>: Cutting Response Latency in Distributed Key-Value Stores with In-Network Replica Selection</a:t>
+            </a:r>
+            <a:r>
+              <a:rPr lang="en-US" altLang="zh-CN" sz="2100" dirty="0"/>
+              <a:t>[C]//2018 IEEE 38th International Conference on Distributed Computing Systems (ICDCS). </a:t>
+            </a:r>
+            <a:r>
+              <a:rPr lang="en-US" altLang="zh-CN" sz="2100" dirty="0" smtClean="0"/>
+              <a:t>2018, 143-153</a:t>
+            </a:r>
+            <a:r>
+              <a:rPr lang="en-US" altLang="zh-CN" sz="2100" dirty="0"/>
+              <a:t>.</a:t>
+            </a:r>
+          </a:p>
+          <a:p>
+            <a:pPr lvl="1">
+              <a:lnSpc>
+                <a:spcPct val="120000"/>
+              </a:lnSpc>
+              <a:spcBef>
+                <a:spcPts val="0"/>
+              </a:spcBef>
+            </a:pPr>
+            <a:r>
+              <a:rPr lang="en-US" altLang="zh-CN" sz="2100" dirty="0" smtClean="0"/>
+              <a:t>Su </a:t>
+            </a:r>
+            <a:r>
+              <a:rPr lang="en-US" altLang="zh-CN" sz="2100" dirty="0"/>
+              <a:t>Y, Feng D, Hua Y, Shi Z. </a:t>
+            </a:r>
+            <a:r>
+              <a:rPr lang="en-US" altLang="zh-CN" sz="2100" b="1" dirty="0"/>
+              <a:t>Predicting Response Latency Percentiles for Cloud Object Storage Systems</a:t>
+            </a:r>
+            <a:r>
+              <a:rPr lang="en-US" altLang="zh-CN" sz="2100" dirty="0"/>
+              <a:t>[C]//2017 46th International Conference on Parallel Processing (ICPP). </a:t>
+            </a:r>
+            <a:r>
+              <a:rPr lang="en-US" altLang="zh-CN" sz="2100" dirty="0" smtClean="0"/>
+              <a:t>2017, 241-250.</a:t>
+            </a:r>
+          </a:p>
+          <a:p>
+            <a:pPr>
+              <a:lnSpc>
+                <a:spcPct val="120000"/>
+              </a:lnSpc>
+              <a:spcBef>
+                <a:spcPts val="0"/>
+              </a:spcBef>
+            </a:pPr>
+            <a:r>
+              <a:rPr lang="zh-CN" altLang="en-US" dirty="0"/>
+              <a:t>泛读相关论文</a:t>
+            </a:r>
+            <a:r>
+              <a:rPr lang="zh-CN" altLang="en-US" sz="2000" dirty="0"/>
+              <a:t> 选篇精读 </a:t>
+            </a:r>
+            <a:r>
+              <a:rPr lang="en-US" altLang="zh-CN" sz="2000" dirty="0"/>
+              <a:t>HPCA2018, ATC2018</a:t>
+            </a:r>
+          </a:p>
+          <a:p>
+            <a:pPr lvl="1">
+              <a:lnSpc>
+                <a:spcPct val="120000"/>
+              </a:lnSpc>
+              <a:spcBef>
+                <a:spcPts val="0"/>
+              </a:spcBef>
+            </a:pPr>
+            <a:r>
+              <a:rPr lang="en-US" altLang="zh-CN" dirty="0">
+                <a:hlinkClick r:id="rId2"/>
+              </a:rPr>
+              <a:t>http://hpca2018.ece.ucsb.edu/pages/main_program.html</a:t>
+            </a:r>
+            <a:endParaRPr lang="en-US" altLang="zh-CN" dirty="0"/>
+          </a:p>
+          <a:p>
+            <a:pPr lvl="1">
+              <a:lnSpc>
+                <a:spcPct val="120000"/>
+              </a:lnSpc>
+              <a:spcBef>
+                <a:spcPts val="0"/>
+              </a:spcBef>
+            </a:pPr>
+            <a:r>
+              <a:rPr lang="en-US" altLang="zh-CN" dirty="0">
+                <a:hlinkClick r:id="rId3"/>
+              </a:rPr>
+              <a:t>https://</a:t>
+            </a:r>
+            <a:r>
+              <a:rPr lang="en-US" altLang="zh-CN" dirty="0" smtClean="0">
+                <a:hlinkClick r:id="rId3"/>
+              </a:rPr>
+              <a:t>www.usenix.org/conference/atc18/technical-sessions</a:t>
+            </a:r>
+            <a:endParaRPr lang="en-US" altLang="zh-CN" dirty="0" smtClean="0"/>
+          </a:p>
+          <a:p>
+            <a:pPr lvl="1">
+              <a:lnSpc>
+                <a:spcPct val="120000"/>
+              </a:lnSpc>
+              <a:spcBef>
+                <a:spcPts val="0"/>
+              </a:spcBef>
+            </a:pPr>
+            <a:r>
+              <a:rPr lang="zh-CN" altLang="en-US" dirty="0" smtClean="0"/>
+              <a:t>通过协同编辑器选择 </a:t>
+            </a:r>
+            <a:r>
+              <a:rPr lang="en-US" altLang="zh-CN" dirty="0" smtClean="0">
+                <a:hlinkClick r:id="rId4"/>
+              </a:rPr>
+              <a:t>https</a:t>
+            </a:r>
+            <a:r>
+              <a:rPr lang="en-US" altLang="zh-CN" dirty="0">
+                <a:hlinkClick r:id="rId4"/>
+              </a:rPr>
+              <a:t>://docs.qq.com/desktop</a:t>
+            </a:r>
+            <a:r>
+              <a:rPr lang="en-US" altLang="zh-CN" dirty="0" smtClean="0">
+                <a:hlinkClick r:id="rId4"/>
+              </a:rPr>
+              <a:t>/</a:t>
+            </a:r>
+            <a:endParaRPr lang="en-US" altLang="zh-CN" dirty="0"/>
+          </a:p>
+          <a:p>
+            <a:pPr>
+              <a:lnSpc>
+                <a:spcPct val="120000"/>
+              </a:lnSpc>
+              <a:spcBef>
+                <a:spcPts val="0"/>
+              </a:spcBef>
+            </a:pPr>
+            <a:r>
+              <a:rPr lang="zh-CN" altLang="en-US" dirty="0" smtClean="0"/>
+              <a:t>论文研讨课评价方法</a:t>
+            </a:r>
+            <a:endParaRPr lang="zh-CN" altLang="en-US" dirty="0"/>
+          </a:p>
+        </p:txBody>
+      </p:sp>
+    </p:spTree>
+    <p:extLst>
+      <p:ext uri="{BB962C8B-B14F-4D97-AF65-F5344CB8AC3E}">
+        <p14:creationId xmlns:p14="http://schemas.microsoft.com/office/powerpoint/2010/main" val="480676760"/>
+      </p:ext>
+    </p:extLst>
+  </p:cSld>
+  <p:clrMapOvr>
+    <a:masterClrMapping/>
+  </p:clrMapOvr>
 </p:sld>
 </file>
 
@@ -13888,7 +14804,26 @@
                 <a:ea typeface="黑体" panose="02010609060101010101" pitchFamily="49" charset="-122"/>
                 <a:cs typeface="Times New Roman" panose="02020603050405020304" pitchFamily="18" charset="0"/>
               </a:rPr>
-              <a:t>How many employees does it take to run a data center? The Green Data Center blog explored the issue last week when it looked at hiring for new data centers in central Washington and found that Yahoo (YHOO), Ask.com, Intuit (INTU) and Microsoft (MSFT) have hired a total of 180 workers for their facilities. Microsoft, Yahoo and Intuit will each have 50 workers at their data centers in Grant County, while Ask.com is adding 30</a:t>
+              <a:t>How many employees does it take to run a data center? The Green Data Center blog explored the issue last week when it looked at hiring for new data centers in central Washington and found that Yahoo (YHOO), Ask.com, Intuit (INTU) and Microsoft (MSFT) have hired a total of 180 workers for their facilities. Microsoft, Yahoo and Intuit will </a:t>
+            </a:r>
+            <a:r>
+              <a:rPr lang="en-US" altLang="zh-CN" dirty="0">
+                <a:solidFill>
+                  <a:srgbClr val="FF0000"/>
+                </a:solidFill>
+                <a:latin typeface="Times New Roman" panose="02020603050405020304" pitchFamily="18" charset="0"/>
+                <a:ea typeface="黑体" panose="02010609060101010101" pitchFamily="49" charset="-122"/>
+                <a:cs typeface="Times New Roman" panose="02020603050405020304" pitchFamily="18" charset="0"/>
+              </a:rPr>
+              <a:t>each have 50 workers</a:t>
+            </a:r>
+            <a:r>
+              <a:rPr lang="en-US" altLang="zh-CN" dirty="0">
+                <a:latin typeface="Times New Roman" panose="02020603050405020304" pitchFamily="18" charset="0"/>
+                <a:ea typeface="黑体" panose="02010609060101010101" pitchFamily="49" charset="-122"/>
+                <a:cs typeface="Times New Roman" panose="02020603050405020304" pitchFamily="18" charset="0"/>
+              </a:rPr>
+              <a:t> at their data centers in Grant County, while Ask.com is adding 30</a:t>
             </a:r>
             <a:r>
               <a:rPr lang="en-US" altLang="zh-CN" dirty="0" smtClean="0">
@@ -14408,7 +15343,6 @@
               <a:rPr lang="en-US" altLang="zh-CN" sz="1800" dirty="0"/>
               <a:t>are recognized nationally (ANSI/US) and internationally (ISO)</a:t>
             </a:r>
-            <a:endParaRPr lang="en-US" altLang="zh-CN" sz="1800" dirty="0"/>
           </a:p>
         </p:txBody>
       </p:sp>
@@ -14697,7 +15631,7 @@
           <a:p>
             <a:r>
               <a:rPr lang="zh-CN" altLang="en-US" dirty="0" smtClean="0"/>
-              <a:t>数据中心管理</a:t>
+              <a:t>标准化</a:t>
             </a:r>
             <a:endParaRPr lang="zh-CN" altLang="en-US" dirty="0"/>
           </a:p>
@@ -14705,677 +15639,51 @@
       </p:sp>
       <p:sp>
         <p:nvSpPr>
-          <p:cNvPr id="26" name="文本框 25"/>
-          <p:cNvSpPr txBox="1"/>
+          <p:cNvPr id="5" name="内容占位符 4"/>
+          <p:cNvSpPr>
+            <a:spLocks noGrp="1"/>
+          </p:cNvSpPr>
+          <p:nvPr>
+            <p:ph idx="1"/>
+          </p:nvPr>
+        </p:nvSpPr>
+        <p:spPr/>
+        <p:txBody>
+          <a:bodyPr/>
+          <a:lstStyle/>
+          <a:p>
+            <a:endParaRPr lang="zh-CN" altLang="en-US"/>
+          </a:p>
+        </p:txBody>
+      </p:sp>
+      <p:pic>
+        <p:nvPicPr>
+          <p:cNvPr id="3" name="图片 2"/>
+          <p:cNvPicPr>
+            <a:picLocks noChangeAspect="1"/>
+          </p:cNvPicPr>
           <p:nvPr/>
-        </p:nvSpPr>
+        </p:nvPicPr>
+        <p:blipFill>
+          <a:blip r:embed="rId2"/>
+          <a:stretch>
+            <a:fillRect/>
+          </a:stretch>
+        </p:blipFill>
         <p:spPr>
           <a:xfrm>
-            <a:off x="4783015" y="6265082"/>
-            <a:ext cx="4018085" cy="523220"/>
+            <a:off x="2038706" y="1577181"/>
+            <a:ext cx="4820401" cy="5040067"/>
           </a:xfrm>
           <a:prstGeom prst="rect">
             <a:avLst/>
           </a:prstGeom>
-          <a:noFill/>
         </p:spPr>
-        <p:txBody>
-          <a:bodyPr wrap="square" rtlCol="0">
-            <a:spAutoFit/>
-          </a:bodyPr>
-          <a:lstStyle/>
-          <a:p>
-            <a:r>
-              <a:rPr lang="zh-CN" altLang="en-US" sz="1600" dirty="0" smtClean="0">
-                <a:latin typeface="Times New Roman" panose="02020603050405020304" pitchFamily="18" charset="0"/>
-                <a:ea typeface="黑体" panose="02010609060101010101" pitchFamily="49" charset="-122"/>
-                <a:cs typeface="Times New Roman" panose="02020603050405020304" pitchFamily="18" charset="0"/>
-              </a:rPr>
-              <a:t>来源：</a:t>
-            </a:r>
-            <a:r>
-              <a:rPr lang="en-US" altLang="zh-CN" sz="1600" dirty="0" smtClean="0">
-                <a:latin typeface="Times New Roman" panose="02020603050405020304" pitchFamily="18" charset="0"/>
-                <a:ea typeface="黑体" panose="02010609060101010101" pitchFamily="49" charset="-122"/>
-                <a:cs typeface="Times New Roman" panose="02020603050405020304" pitchFamily="18" charset="0"/>
-              </a:rPr>
-              <a:t>VMware</a:t>
-            </a:r>
-          </a:p>
-          <a:p>
-            <a:r>
-              <a:rPr lang="en-US" altLang="zh-CN" sz="1200" dirty="0">
-                <a:latin typeface="Times New Roman" panose="02020603050405020304" pitchFamily="18" charset="0"/>
-                <a:ea typeface="黑体" panose="02010609060101010101" pitchFamily="49" charset="-122"/>
-                <a:cs typeface="Times New Roman" panose="02020603050405020304" pitchFamily="18" charset="0"/>
-              </a:rPr>
-              <a:t>Cloud Infrastructure and Management 2013 Launch Overview</a:t>
-            </a:r>
-            <a:endParaRPr lang="zh-CN" altLang="en-US" sz="1200" dirty="0">
-              <a:latin typeface="Times New Roman" panose="02020603050405020304" pitchFamily="18" charset="0"/>
-              <a:ea typeface="黑体" panose="02010609060101010101" pitchFamily="49" charset="-122"/>
-              <a:cs typeface="Times New Roman" panose="02020603050405020304" pitchFamily="18" charset="0"/>
-            </a:endParaRPr>
-          </a:p>
-        </p:txBody>
-      </p:sp>
-      <p:grpSp>
-        <p:nvGrpSpPr>
-          <p:cNvPr id="27" name="Group 20"/>
-          <p:cNvGrpSpPr/>
-          <p:nvPr/>
-        </p:nvGrpSpPr>
-        <p:grpSpPr>
-          <a:xfrm>
-            <a:off x="2400647" y="1356060"/>
-            <a:ext cx="4342705" cy="3748313"/>
-            <a:chOff x="2334221" y="1356060"/>
-            <a:chExt cx="4342705" cy="3748313"/>
-          </a:xfrm>
-        </p:grpSpPr>
-        <p:pic>
-          <p:nvPicPr>
-            <p:cNvPr id="28" name="Picture 21"/>
-            <p:cNvPicPr>
-              <a:picLocks noChangeAspect="1"/>
-            </p:cNvPicPr>
-            <p:nvPr/>
-          </p:nvPicPr>
-          <p:blipFill>
-            <a:blip r:embed="rId2" cstate="print">
-              <a:extLst>
-                <a:ext uri="{28A0092B-C50C-407E-A947-70E740481C1C}">
-                  <a14:useLocalDpi xmlns:a14="http://schemas.microsoft.com/office/drawing/2010/main" val="0"/>
-                </a:ext>
-              </a:extLst>
-            </a:blip>
-            <a:stretch>
-              <a:fillRect/>
-            </a:stretch>
-          </p:blipFill>
-          <p:spPr>
-            <a:xfrm>
-              <a:off x="2342617" y="1765300"/>
-              <a:ext cx="2105025" cy="1371600"/>
-            </a:xfrm>
-            <a:prstGeom prst="rect">
-              <a:avLst/>
-            </a:prstGeom>
-          </p:spPr>
-        </p:pic>
-        <p:pic>
-          <p:nvPicPr>
-            <p:cNvPr id="29" name="Picture 22"/>
-            <p:cNvPicPr>
-              <a:picLocks noChangeAspect="1"/>
-            </p:cNvPicPr>
-            <p:nvPr/>
-          </p:nvPicPr>
-          <p:blipFill>
-            <a:blip r:embed="rId3" cstate="print">
-              <a:extLst>
-                <a:ext uri="{28A0092B-C50C-407E-A947-70E740481C1C}">
-                  <a14:useLocalDpi xmlns:a14="http://schemas.microsoft.com/office/drawing/2010/main" val="0"/>
-                </a:ext>
-              </a:extLst>
-            </a:blip>
-            <a:stretch>
-              <a:fillRect/>
-            </a:stretch>
-          </p:blipFill>
-          <p:spPr>
-            <a:xfrm>
-              <a:off x="4571901" y="1765300"/>
-              <a:ext cx="2105025" cy="1371600"/>
-            </a:xfrm>
-            <a:prstGeom prst="rect">
-              <a:avLst/>
-            </a:prstGeom>
-          </p:spPr>
-        </p:pic>
-        <p:sp>
-          <p:nvSpPr>
-            <p:cNvPr id="30" name="Round Same Side Corner Rectangle 23"/>
-            <p:cNvSpPr/>
-            <p:nvPr/>
-          </p:nvSpPr>
-          <p:spPr>
-            <a:xfrm>
-              <a:off x="2334221" y="1356060"/>
-              <a:ext cx="2115406" cy="457200"/>
-            </a:xfrm>
-            <a:prstGeom prst="round2SameRect">
-              <a:avLst/>
-            </a:prstGeom>
-            <a:gradFill flip="none" rotWithShape="1">
-              <a:gsLst>
-                <a:gs pos="0">
-                  <a:schemeClr val="accent6">
-                    <a:shade val="30000"/>
-                    <a:satMod val="115000"/>
-                  </a:schemeClr>
-                </a:gs>
-                <a:gs pos="50000">
-                  <a:schemeClr val="accent6">
-                    <a:shade val="67500"/>
-                    <a:satMod val="115000"/>
-                  </a:schemeClr>
-                </a:gs>
-                <a:gs pos="100000">
-                  <a:schemeClr val="accent6">
-                    <a:shade val="100000"/>
-                    <a:satMod val="115000"/>
-                  </a:schemeClr>
-                </a:gs>
-              </a:gsLst>
-              <a:lin ang="16200000" scaled="1"/>
-              <a:tileRect/>
-            </a:gradFill>
-            <a:ln>
-              <a:noFill/>
-              <a:headEnd type="none" w="med" len="med"/>
-              <a:tailEnd type="none" w="med" len="med"/>
-            </a:ln>
-            <a:effectLst>
-              <a:outerShdw blurRad="44450" dist="27940" dir="5400000" algn="ctr">
-                <a:srgbClr val="000000">
-                  <a:alpha val="32000"/>
-                </a:srgbClr>
-              </a:outerShdw>
-            </a:effectLst>
-            <a:scene3d>
-              <a:camera prst="orthographicFront">
-                <a:rot lat="0" lon="0" rev="0"/>
-              </a:camera>
-              <a:lightRig rig="balanced" dir="t">
-                <a:rot lat="0" lon="0" rev="8700000"/>
-              </a:lightRig>
-            </a:scene3d>
-            <a:sp3d>
-              <a:bevelT w="38100" h="38100"/>
-            </a:sp3d>
-          </p:spPr>
-          <p:style>
-            <a:lnRef idx="1">
-              <a:schemeClr val="accent5"/>
-            </a:lnRef>
-            <a:fillRef idx="3">
-              <a:schemeClr val="accent5"/>
-            </a:fillRef>
-            <a:effectRef idx="2">
-              <a:schemeClr val="accent5"/>
-            </a:effectRef>
-            <a:fontRef idx="minor">
-              <a:schemeClr val="lt1"/>
-            </a:fontRef>
-          </p:style>
-          <p:txBody>
-            <a:bodyPr vert="horz" wrap="square" lIns="0" tIns="0" rIns="0" bIns="0" numCol="1" rtlCol="0" anchor="ctr" anchorCtr="0" compatLnSpc="1">
-              <a:prstTxWarp prst="textNoShape">
-                <a:avLst/>
-              </a:prstTxWarp>
-              <a:noAutofit/>
-            </a:bodyPr>
-            <a:lstStyle/>
-            <a:p>
-              <a:pPr algn="ctr" defTabSz="914363">
-                <a:lnSpc>
-                  <a:spcPct val="90000"/>
-                </a:lnSpc>
-              </a:pPr>
-              <a:r>
-                <a:rPr lang="en-US" sz="1800" b="1" dirty="0">
-                  <a:solidFill>
-                    <a:srgbClr val="FFFFFF"/>
-                  </a:solidFill>
-                </a:rPr>
-                <a:t>Inefficiency</a:t>
-              </a:r>
-            </a:p>
-          </p:txBody>
-        </p:sp>
-        <p:sp>
-          <p:nvSpPr>
-            <p:cNvPr id="31" name="Round Same Side Corner Rectangle 24"/>
-            <p:cNvSpPr/>
-            <p:nvPr/>
-          </p:nvSpPr>
-          <p:spPr>
-            <a:xfrm>
-              <a:off x="4573806" y="1356060"/>
-              <a:ext cx="2103120" cy="457200"/>
-            </a:xfrm>
-            <a:prstGeom prst="round2SameRect">
-              <a:avLst/>
-            </a:prstGeom>
-            <a:gradFill flip="none" rotWithShape="1">
-              <a:gsLst>
-                <a:gs pos="0">
-                  <a:schemeClr val="accent6">
-                    <a:shade val="30000"/>
-                    <a:satMod val="115000"/>
-                  </a:schemeClr>
-                </a:gs>
-                <a:gs pos="50000">
-                  <a:schemeClr val="accent6">
-                    <a:shade val="67500"/>
-                    <a:satMod val="115000"/>
-                  </a:schemeClr>
-                </a:gs>
-                <a:gs pos="100000">
-                  <a:schemeClr val="accent6">
-                    <a:shade val="100000"/>
-                    <a:satMod val="115000"/>
-                  </a:schemeClr>
-                </a:gs>
-              </a:gsLst>
-              <a:lin ang="16200000" scaled="1"/>
-              <a:tileRect/>
-            </a:gradFill>
-            <a:ln>
-              <a:noFill/>
-              <a:headEnd type="none" w="med" len="med"/>
-              <a:tailEnd type="none" w="med" len="med"/>
-            </a:ln>
-            <a:effectLst>
-              <a:outerShdw blurRad="44450" dist="27940" dir="5400000" algn="ctr">
-                <a:srgbClr val="000000">
-                  <a:alpha val="32000"/>
-                </a:srgbClr>
-              </a:outerShdw>
-            </a:effectLst>
-            <a:scene3d>
-              <a:camera prst="orthographicFront">
-                <a:rot lat="0" lon="0" rev="0"/>
-              </a:camera>
-              <a:lightRig rig="balanced" dir="t">
-                <a:rot lat="0" lon="0" rev="8700000"/>
-              </a:lightRig>
-            </a:scene3d>
-            <a:sp3d>
-              <a:bevelT w="38100" h="38100"/>
-            </a:sp3d>
-          </p:spPr>
-          <p:style>
-            <a:lnRef idx="1">
-              <a:schemeClr val="accent5"/>
-            </a:lnRef>
-            <a:fillRef idx="3">
-              <a:schemeClr val="accent5"/>
-            </a:fillRef>
-            <a:effectRef idx="2">
-              <a:schemeClr val="accent5"/>
-            </a:effectRef>
-            <a:fontRef idx="minor">
-              <a:schemeClr val="lt1"/>
-            </a:fontRef>
-          </p:style>
-          <p:txBody>
-            <a:bodyPr vert="horz" wrap="square" lIns="0" tIns="0" rIns="0" bIns="0" numCol="1" rtlCol="0" anchor="ctr" anchorCtr="0" compatLnSpc="1">
-              <a:prstTxWarp prst="textNoShape">
-                <a:avLst/>
-              </a:prstTxWarp>
-              <a:noAutofit/>
-            </a:bodyPr>
-            <a:lstStyle/>
-            <a:p>
-              <a:pPr algn="ctr" defTabSz="914363">
-                <a:lnSpc>
-                  <a:spcPct val="90000"/>
-                </a:lnSpc>
-              </a:pPr>
-              <a:r>
-                <a:rPr lang="en-US" sz="1800" b="1" dirty="0" smtClean="0">
-                  <a:solidFill>
-                    <a:srgbClr val="FFFFFF"/>
-                  </a:solidFill>
-                </a:rPr>
-                <a:t>Downtime</a:t>
-              </a:r>
-              <a:endParaRPr lang="en-US" sz="1800" b="1" dirty="0">
-                <a:solidFill>
-                  <a:srgbClr val="FFFFFF"/>
-                </a:solidFill>
-              </a:endParaRPr>
-            </a:p>
-          </p:txBody>
-        </p:sp>
-        <p:sp>
-          <p:nvSpPr>
-            <p:cNvPr id="32" name="TextBox 25"/>
-            <p:cNvSpPr txBox="1"/>
-            <p:nvPr/>
-          </p:nvSpPr>
-          <p:spPr>
-            <a:xfrm>
-              <a:off x="4572000" y="3127169"/>
-              <a:ext cx="2099462" cy="1977204"/>
-            </a:xfrm>
-            <a:prstGeom prst="rect">
-              <a:avLst/>
-            </a:prstGeom>
-            <a:gradFill flip="none" rotWithShape="1">
-              <a:gsLst>
-                <a:gs pos="0">
-                  <a:schemeClr val="bg2">
-                    <a:lumMod val="40000"/>
-                    <a:lumOff val="60000"/>
-                  </a:schemeClr>
-                </a:gs>
-                <a:gs pos="43000">
-                  <a:schemeClr val="bg1"/>
-                </a:gs>
-                <a:gs pos="100000">
-                  <a:srgbClr val="FFFFFF">
-                    <a:shade val="100000"/>
-                    <a:satMod val="115000"/>
-                  </a:srgbClr>
-                </a:gs>
-              </a:gsLst>
-              <a:lin ang="16200000" scaled="1"/>
-              <a:tileRect/>
-            </a:gradFill>
-            <a:ln w="3175" cap="flat" cmpd="sng" algn="ctr">
-              <a:noFill/>
-              <a:prstDash val="solid"/>
-              <a:round/>
-              <a:headEnd type="none" w="med" len="med"/>
-              <a:tailEnd type="none" w="med" len="med"/>
-            </a:ln>
-            <a:effectLst>
-              <a:outerShdw blurRad="50800" dist="38100" dir="5400000" algn="t" rotWithShape="0">
-                <a:prstClr val="black">
-                  <a:alpha val="40000"/>
-                </a:prstClr>
-              </a:outerShdw>
-            </a:effectLst>
-          </p:spPr>
-          <p:txBody>
-            <a:bodyPr vert="horz" wrap="square" lIns="91440" tIns="91440" rIns="91440" bIns="45720" numCol="1" rtlCol="0" anchor="t" anchorCtr="0" compatLnSpc="1">
-              <a:prstTxWarp prst="textNoShape">
-                <a:avLst/>
-              </a:prstTxWarp>
-              <a:noAutofit/>
-            </a:bodyPr>
-            <a:lstStyle>
-              <a:defPPr>
-                <a:defRPr lang="en-US"/>
-              </a:defPPr>
-              <a:lvl3pPr marL="169863" lvl="2" indent="-169863">
-                <a:spcAft>
-                  <a:spcPts val="600"/>
-                </a:spcAft>
-                <a:buClr>
-                  <a:srgbClr val="FFFFFF"/>
-                </a:buClr>
-                <a:buSzPct val="100000"/>
-                <a:buFont typeface="Arial" pitchFamily="34" charset="0"/>
-                <a:buChar char="•"/>
-                <a:defRPr sz="1400" b="1">
-                  <a:ln>
-                    <a:solidFill>
-                      <a:srgbClr val="FFFFFF">
-                        <a:alpha val="0"/>
-                      </a:srgbClr>
-                    </a:solidFill>
-                  </a:ln>
-                  <a:solidFill>
-                    <a:srgbClr val="FFFFFF"/>
-                  </a:solidFill>
-                  <a:ea typeface="Verdana" pitchFamily="34" charset="0"/>
-                  <a:cs typeface="Verdana" pitchFamily="34" charset="0"/>
-                </a:defRPr>
-              </a:lvl3pPr>
-            </a:lstStyle>
-            <a:p>
-              <a:pPr marL="174625" indent="-174625" algn="l" defTabSz="914363">
-                <a:buClr>
-                  <a:schemeClr val="accent1">
-                    <a:lumMod val="75000"/>
-                  </a:schemeClr>
-                </a:buClr>
-                <a:buFont typeface="Wingdings" pitchFamily="2" charset="2"/>
-                <a:buChar char="§"/>
-                <a:defRPr/>
-              </a:pPr>
-              <a:r>
-                <a:rPr lang="en-US" sz="1400" b="1" dirty="0">
-                  <a:solidFill>
-                    <a:schemeClr val="tx1"/>
-                  </a:solidFill>
-                </a:rPr>
-                <a:t>Challenging to </a:t>
-              </a:r>
-              <a:r>
-                <a:rPr lang="en-US" sz="1400" b="1" dirty="0" smtClean="0">
-                  <a:solidFill>
-                    <a:schemeClr val="tx1"/>
-                  </a:solidFill>
-                </a:rPr>
-                <a:t/>
-              </a:r>
-              <a:br>
-                <a:rPr lang="en-US" sz="1400" b="1" dirty="0" smtClean="0">
-                  <a:solidFill>
-                    <a:schemeClr val="tx1"/>
-                  </a:solidFill>
-                </a:rPr>
-              </a:br>
-              <a:r>
-                <a:rPr lang="en-US" sz="1400" b="1" dirty="0" smtClean="0">
-                  <a:solidFill>
-                    <a:schemeClr val="tx1"/>
-                  </a:solidFill>
-                </a:rPr>
-                <a:t>meet </a:t>
-              </a:r>
-              <a:r>
-                <a:rPr lang="en-US" sz="1400" b="1" dirty="0">
-                  <a:solidFill>
-                    <a:schemeClr val="tx1"/>
-                  </a:solidFill>
-                </a:rPr>
-                <a:t>SLAs</a:t>
-              </a:r>
-            </a:p>
-            <a:p>
-              <a:pPr marL="174625" indent="-174625" algn="l" defTabSz="914363">
-                <a:buClr>
-                  <a:schemeClr val="accent1">
-                    <a:lumMod val="75000"/>
-                  </a:schemeClr>
-                </a:buClr>
-                <a:buFont typeface="Wingdings" pitchFamily="2" charset="2"/>
-                <a:buChar char="§"/>
-                <a:defRPr/>
-              </a:pPr>
-              <a:r>
-                <a:rPr lang="en-US" sz="1400" b="1" dirty="0">
-                  <a:solidFill>
-                    <a:schemeClr val="tx1"/>
-                  </a:solidFill>
-                </a:rPr>
-                <a:t>Long issue identification / resolution times</a:t>
-              </a:r>
-            </a:p>
-            <a:p>
-              <a:pPr marL="174625" indent="-174625" algn="l" defTabSz="914363">
-                <a:buClr>
-                  <a:schemeClr val="accent1">
-                    <a:lumMod val="75000"/>
-                  </a:schemeClr>
-                </a:buClr>
-                <a:buFont typeface="Wingdings" pitchFamily="2" charset="2"/>
-                <a:buChar char="§"/>
-                <a:defRPr/>
-              </a:pPr>
-              <a:r>
-                <a:rPr lang="en-US" sz="1400" b="1" dirty="0">
-                  <a:solidFill>
-                    <a:schemeClr val="tx1"/>
-                  </a:solidFill>
-                </a:rPr>
-                <a:t>Security and compliance issues</a:t>
-              </a:r>
-            </a:p>
-          </p:txBody>
-        </p:sp>
-        <p:sp>
-          <p:nvSpPr>
-            <p:cNvPr id="33" name="TextBox 26"/>
-            <p:cNvSpPr txBox="1"/>
-            <p:nvPr/>
-          </p:nvSpPr>
-          <p:spPr>
-            <a:xfrm>
-              <a:off x="2344303" y="3127169"/>
-              <a:ext cx="2099462" cy="1977204"/>
-            </a:xfrm>
-            <a:prstGeom prst="rect">
-              <a:avLst/>
-            </a:prstGeom>
-            <a:gradFill flip="none" rotWithShape="1">
-              <a:gsLst>
-                <a:gs pos="0">
-                  <a:schemeClr val="bg2">
-                    <a:lumMod val="40000"/>
-                    <a:lumOff val="60000"/>
-                  </a:schemeClr>
-                </a:gs>
-                <a:gs pos="43000">
-                  <a:schemeClr val="bg1"/>
-                </a:gs>
-                <a:gs pos="100000">
-                  <a:srgbClr val="FFFFFF">
-                    <a:shade val="100000"/>
-                    <a:satMod val="115000"/>
-                  </a:srgbClr>
-                </a:gs>
-              </a:gsLst>
-              <a:lin ang="16200000" scaled="1"/>
-              <a:tileRect/>
-            </a:gradFill>
-            <a:ln w="3175" cap="flat" cmpd="sng" algn="ctr">
-              <a:noFill/>
-              <a:prstDash val="solid"/>
-              <a:round/>
-              <a:headEnd type="none" w="med" len="med"/>
-              <a:tailEnd type="none" w="med" len="med"/>
-            </a:ln>
-            <a:effectLst>
-              <a:outerShdw blurRad="50800" dist="38100" dir="5400000" algn="t" rotWithShape="0">
-                <a:prstClr val="black">
-                  <a:alpha val="40000"/>
-                </a:prstClr>
-              </a:outerShdw>
-            </a:effectLst>
-          </p:spPr>
-          <p:txBody>
-            <a:bodyPr vert="horz" wrap="square" lIns="91440" tIns="91440" rIns="91440" bIns="45720" numCol="1" rtlCol="0" anchor="t" anchorCtr="0" compatLnSpc="1">
-              <a:prstTxWarp prst="textNoShape">
-                <a:avLst/>
-              </a:prstTxWarp>
-              <a:noAutofit/>
-            </a:bodyPr>
-            <a:lstStyle>
-              <a:defPPr>
-                <a:defRPr lang="en-US"/>
-              </a:defPPr>
-              <a:lvl1pPr marL="171450" indent="-171450" algn="l" defTabSz="914363">
-                <a:buClr>
-                  <a:schemeClr val="accent1">
-                    <a:lumMod val="75000"/>
-                  </a:schemeClr>
-                </a:buClr>
-                <a:buFont typeface="Wingdings" pitchFamily="2" charset="2"/>
-                <a:buChar char="§"/>
-                <a:defRPr sz="1100" b="1">
-                  <a:solidFill>
-                    <a:schemeClr val="tx1"/>
-                  </a:solidFill>
-                </a:defRPr>
-              </a:lvl1pPr>
-              <a:lvl3pPr marL="169863" lvl="2" indent="-169863">
-                <a:spcAft>
-                  <a:spcPts val="600"/>
-                </a:spcAft>
-                <a:buClr>
-                  <a:srgbClr val="FFFFFF"/>
-                </a:buClr>
-                <a:buSzPct val="100000"/>
-                <a:buFont typeface="Arial" pitchFamily="34" charset="0"/>
-                <a:buChar char="•"/>
-                <a:defRPr sz="1400" b="1">
-                  <a:ln>
-                    <a:solidFill>
-                      <a:srgbClr val="FFFFFF">
-                        <a:alpha val="0"/>
-                      </a:srgbClr>
-                    </a:solidFill>
-                  </a:ln>
-                  <a:solidFill>
-                    <a:srgbClr val="FFFFFF"/>
-                  </a:solidFill>
-                  <a:ea typeface="Verdana" pitchFamily="34" charset="0"/>
-                  <a:cs typeface="Verdana" pitchFamily="34" charset="0"/>
-                </a:defRPr>
-              </a:lvl3pPr>
-            </a:lstStyle>
-            <a:p>
-              <a:pPr>
-                <a:defRPr/>
-              </a:pPr>
-              <a:r>
-                <a:rPr lang="en-US" sz="1400" dirty="0"/>
-                <a:t>High </a:t>
-              </a:r>
-              <a:r>
-                <a:rPr lang="en-US" sz="1400" dirty="0" err="1"/>
-                <a:t>capex</a:t>
-              </a:r>
-              <a:r>
-                <a:rPr lang="en-US" sz="1400" dirty="0"/>
-                <a:t> and </a:t>
-              </a:r>
-              <a:r>
-                <a:rPr lang="en-US" sz="1400" dirty="0" err="1"/>
-                <a:t>opex</a:t>
-              </a:r>
-              <a:endParaRPr lang="en-US" sz="1400" dirty="0"/>
-            </a:p>
-            <a:p>
-              <a:pPr>
-                <a:defRPr/>
-              </a:pPr>
-              <a:r>
-                <a:rPr lang="en-US" sz="1400" dirty="0"/>
-                <a:t>High complexity, </a:t>
-              </a:r>
-              <a:r>
-                <a:rPr lang="en-US" sz="1400" dirty="0" err="1"/>
-                <a:t>Siloed</a:t>
-              </a:r>
-              <a:r>
-                <a:rPr lang="en-US" sz="1400" dirty="0"/>
-                <a:t> IT</a:t>
-              </a:r>
-            </a:p>
-            <a:p>
-              <a:pPr>
-                <a:defRPr/>
-              </a:pPr>
-              <a:r>
-                <a:rPr lang="en-US" sz="1400" dirty="0"/>
-                <a:t>Operational inefficiencies </a:t>
-              </a:r>
-            </a:p>
-          </p:txBody>
-        </p:sp>
-      </p:grpSp>
+      </p:pic>
     </p:spTree>
     <p:extLst>
       <p:ext uri="{BB962C8B-B14F-4D97-AF65-F5344CB8AC3E}">
-        <p14:creationId xmlns:p14="http://schemas.microsoft.com/office/powerpoint/2010/main" val="2743984356"/>
+        <p14:creationId xmlns:p14="http://schemas.microsoft.com/office/powerpoint/2010/main" val="3578818333"/>
       </p:ext>
     </p:extLst>
   </p:cSld>
